--- a/宣道詩/(宣道詩262A) 聖餐.pptx
+++ b/宣道詩/(宣道詩262A) 聖餐.pptx
@@ -5,18 +5,25 @@
     <p:sldMasterId id="2147483660" r:id="rId1"/>
   </p:sldMasterIdLst>
   <p:notesMasterIdLst>
-    <p:notesMasterId r:id="rId8"/>
+    <p:notesMasterId r:id="rId15"/>
   </p:notesMasterIdLst>
   <p:handoutMasterIdLst>
-    <p:handoutMasterId r:id="rId9"/>
+    <p:handoutMasterId r:id="rId16"/>
   </p:handoutMasterIdLst>
   <p:sldIdLst>
-    <p:sldId id="1602" r:id="rId2"/>
-    <p:sldId id="1603" r:id="rId3"/>
-    <p:sldId id="1604" r:id="rId4"/>
-    <p:sldId id="1605" r:id="rId5"/>
-    <p:sldId id="1606" r:id="rId6"/>
-    <p:sldId id="1607" r:id="rId7"/>
+    <p:sldId id="1608" r:id="rId2"/>
+    <p:sldId id="1609" r:id="rId3"/>
+    <p:sldId id="1610" r:id="rId4"/>
+    <p:sldId id="1611" r:id="rId5"/>
+    <p:sldId id="1612" r:id="rId6"/>
+    <p:sldId id="1613" r:id="rId7"/>
+    <p:sldId id="1614" r:id="rId8"/>
+    <p:sldId id="1615" r:id="rId9"/>
+    <p:sldId id="1616" r:id="rId10"/>
+    <p:sldId id="1617" r:id="rId11"/>
+    <p:sldId id="1618" r:id="rId12"/>
+    <p:sldId id="1619" r:id="rId13"/>
+    <p:sldId id="1620" r:id="rId14"/>
   </p:sldIdLst>
   <p:sldSz cx="12192000" cy="6858000"/>
   <p:notesSz cx="6858000" cy="9144000"/>
@@ -3722,7 +3729,7 @@
       </p:grpSpPr>
       <p:sp>
         <p:nvSpPr>
-          <p:cNvPr id="4" name="Title 3"/>
+          <p:cNvPr id="4" name="標題 3"/>
           <p:cNvSpPr>
             <a:spLocks noGrp="1"/>
           </p:cNvSpPr>
@@ -3730,175 +3737,260 @@
             <p:ph type="title"/>
           </p:nvPr>
         </p:nvSpPr>
-        <p:spPr/>
+        <p:spPr>
+          <a:xfrm>
+            <a:off x="0" y="2660915"/>
+            <a:ext cx="12192000" cy="1143000"/>
+          </a:xfrm>
+        </p:spPr>
         <p:txBody>
           <a:bodyPr>
+            <a:noAutofit/>
+          </a:bodyPr>
+          <a:lstStyle/>
+          <a:p>
+            <a:r>
+              <a:rPr lang="zh-CN" altLang="en-US" sz="5333" b="1" u="sng" dirty="0">
+                <a:solidFill>
+                  <a:srgbClr val="660033"/>
+                </a:solidFill>
+                <a:effectLst>
+                  <a:outerShdw blurRad="38100" dist="38100" dir="2700000" algn="tl">
+                    <a:srgbClr val="000000">
+                      <a:alpha val="43137"/>
+                    </a:srgbClr>
+                  </a:outerShdw>
+                </a:effectLst>
+                <a:latin typeface="微軟正黑體" pitchFamily="34" charset="-120"/>
+                <a:ea typeface="微軟正黑體" pitchFamily="34" charset="-120"/>
+              </a:rPr>
+              <a:t>宣道詩 </a:t>
+            </a:r>
+            <a:r>
+              <a:rPr lang="en-US" altLang="zh-CN" sz="5333" b="1" u="sng" dirty="0">
+                <a:solidFill>
+                  <a:srgbClr val="660033"/>
+                </a:solidFill>
+                <a:effectLst>
+                  <a:outerShdw blurRad="38100" dist="38100" dir="2700000" algn="tl">
+                    <a:srgbClr val="000000">
+                      <a:alpha val="43137"/>
+                    </a:srgbClr>
+                  </a:outerShdw>
+                </a:effectLst>
+                <a:latin typeface="微軟正黑體" pitchFamily="34" charset="-120"/>
+                <a:ea typeface="微軟正黑體" pitchFamily="34" charset="-120"/>
+              </a:rPr>
+              <a:t>262A</a:t>
+            </a:r>
+            <a:r>
+              <a:rPr lang="en-US" altLang="zh-CN" sz="7200" b="1" i="1" dirty="0">
+                <a:solidFill>
+                  <a:srgbClr val="660033"/>
+                </a:solidFill>
+                <a:effectLst>
+                  <a:outerShdw blurRad="38100" dist="38100" dir="2700000" algn="tl">
+                    <a:srgbClr val="000000">
+                      <a:alpha val="43137"/>
+                    </a:srgbClr>
+                  </a:outerShdw>
+                </a:effectLst>
+                <a:latin typeface="微軟正黑體" pitchFamily="34" charset="-120"/>
+                <a:ea typeface="微軟正黑體" pitchFamily="34" charset="-120"/>
+              </a:rPr>
+              <a:t/>
+            </a:r>
+            <a:br>
+              <a:rPr lang="en-US" altLang="zh-CN" sz="7200" b="1" i="1" dirty="0">
+                <a:solidFill>
+                  <a:srgbClr val="660033"/>
+                </a:solidFill>
+                <a:effectLst>
+                  <a:outerShdw blurRad="38100" dist="38100" dir="2700000" algn="tl">
+                    <a:srgbClr val="000000">
+                      <a:alpha val="43137"/>
+                    </a:srgbClr>
+                  </a:outerShdw>
+                </a:effectLst>
+                <a:latin typeface="微軟正黑體" pitchFamily="34" charset="-120"/>
+                <a:ea typeface="微軟正黑體" pitchFamily="34" charset="-120"/>
+              </a:rPr>
+            </a:br>
+            <a:r>
+              <a:rPr lang="zh-CN" altLang="en-US" sz="8000" b="1" dirty="0">
+                <a:solidFill>
+                  <a:srgbClr val="000066"/>
+                </a:solidFill>
+                <a:effectLst>
+                  <a:outerShdw blurRad="38100" dist="38100" dir="2700000" algn="tl">
+                    <a:srgbClr val="000000">
+                      <a:alpha val="43137"/>
+                    </a:srgbClr>
+                  </a:outerShdw>
+                </a:effectLst>
+                <a:latin typeface="微軟正黑體" pitchFamily="34" charset="-120"/>
+                <a:ea typeface="微軟正黑體" pitchFamily="34" charset="-120"/>
+              </a:rPr>
+              <a:t>聖</a:t>
+            </a:r>
+            <a:r>
+              <a:rPr lang="zh-CN" altLang="en-US" sz="8000" b="1" dirty="0">
+                <a:solidFill>
+                  <a:srgbClr val="000066"/>
+                </a:solidFill>
+                <a:effectLst>
+                  <a:outerShdw blurRad="38100" dist="38100" dir="2700000" algn="tl">
+                    <a:srgbClr val="000000">
+                      <a:alpha val="43137"/>
+                    </a:srgbClr>
+                  </a:outerShdw>
+                </a:effectLst>
+                <a:latin typeface="微軟正黑體" pitchFamily="34" charset="-120"/>
+                <a:ea typeface="微軟正黑體" pitchFamily="34" charset="-120"/>
+              </a:rPr>
+              <a:t>餐</a:t>
+            </a:r>
+            <a:endParaRPr lang="zh-TW" altLang="en-US" sz="8000" b="1" dirty="0">
+              <a:solidFill>
+                <a:srgbClr val="000066"/>
+              </a:solidFill>
+              <a:effectLst>
+                <a:outerShdw blurRad="38100" dist="38100" dir="2700000" algn="tl">
+                  <a:srgbClr val="000000">
+                    <a:alpha val="43137"/>
+                  </a:srgbClr>
+                </a:outerShdw>
+              </a:effectLst>
+              <a:latin typeface="微軟正黑體" pitchFamily="34" charset="-120"/>
+              <a:ea typeface="微軟正黑體" pitchFamily="34" charset="-120"/>
+            </a:endParaRPr>
+          </a:p>
+        </p:txBody>
+      </p:sp>
+    </p:spTree>
+    <p:extLst>
+      <p:ext uri="{BB962C8B-B14F-4D97-AF65-F5344CB8AC3E}">
+        <p14:creationId xmlns:p14="http://schemas.microsoft.com/office/powerpoint/2010/main" val="3960832243"/>
+      </p:ext>
+    </p:extLst>
+  </p:cSld>
+  <p:clrMapOvr>
+    <a:masterClrMapping/>
+  </p:clrMapOvr>
+  <p:timing>
+    <p:tnLst>
+      <p:par>
+        <p:cTn id="1" dur="indefinite" restart="never" nodeType="tmRoot"/>
+      </p:par>
+    </p:tnLst>
+  </p:timing>
+</p:sld>
+</file>
+
+<file path=ppt/slides/slide10.xml><?xml version="1.0" encoding="utf-8"?>
+<p:sld xmlns:a="http://schemas.openxmlformats.org/drawingml/2006/main" xmlns:r="http://schemas.openxmlformats.org/officeDocument/2006/relationships" xmlns:p="http://schemas.openxmlformats.org/presentationml/2006/main">
+  <p:cSld>
+    <p:spTree>
+      <p:nvGrpSpPr>
+        <p:cNvPr id="1" name=""/>
+        <p:cNvGrpSpPr/>
+        <p:nvPr/>
+      </p:nvGrpSpPr>
+      <p:grpSpPr>
+        <a:xfrm>
+          <a:off x="0" y="0"/>
+          <a:ext cx="0" cy="0"/>
+          <a:chOff x="0" y="0"/>
+          <a:chExt cx="0" cy="0"/>
+        </a:xfrm>
+      </p:grpSpPr>
+      <p:sp>
+        <p:nvSpPr>
+          <p:cNvPr id="5" name="內容版面配置區 4"/>
+          <p:cNvSpPr>
+            <a:spLocks noGrp="1"/>
+          </p:cNvSpPr>
+          <p:nvPr>
+            <p:ph idx="1"/>
+          </p:nvPr>
+        </p:nvSpPr>
+        <p:spPr>
+          <a:xfrm>
+            <a:off x="0" y="2084851"/>
+            <a:ext cx="12192000" cy="2404863"/>
+          </a:xfrm>
+        </p:spPr>
+        <p:txBody>
+          <a:bodyPr anchor="ctr">
             <a:normAutofit/>
           </a:bodyPr>
           <a:lstStyle/>
           <a:p>
-            <a:r>
-              <a:rPr lang="en-US" altLang="zh-CN" sz="4800" b="1" dirty="0">
+            <a:pPr marL="0" indent="0" algn="ctr">
+              <a:buNone/>
+            </a:pPr>
+            <a:r>
+              <a:rPr lang="zh-CN" altLang="zh-TW" sz="6400" b="1" dirty="0">
                 <a:solidFill>
-                  <a:srgbClr val="002060"/>
+                  <a:srgbClr val="000066"/>
                 </a:solidFill>
                 <a:latin typeface="Microsoft JhengHei" panose="020B0604030504040204" pitchFamily="34" charset="-120"/>
                 <a:ea typeface="Microsoft JhengHei" panose="020B0604030504040204" pitchFamily="34" charset="-120"/>
               </a:rPr>
-              <a:t>【</a:t>
-            </a:r>
-            <a:r>
-              <a:rPr lang="zh-CN" altLang="en-US" sz="4800" b="1" dirty="0">
+              <a:t>我念主苦我念主德</a:t>
+            </a:r>
+          </a:p>
+          <a:p>
+            <a:pPr marL="0" indent="0" algn="ctr">
+              <a:buNone/>
+            </a:pPr>
+            <a:r>
+              <a:rPr lang="zh-CN" altLang="zh-TW" sz="6400" b="1" dirty="0">
                 <a:solidFill>
-                  <a:srgbClr val="002060"/>
+                  <a:srgbClr val="000066"/>
                 </a:solidFill>
                 <a:latin typeface="Microsoft JhengHei" panose="020B0604030504040204" pitchFamily="34" charset="-120"/>
                 <a:ea typeface="Microsoft JhengHei" panose="020B0604030504040204" pitchFamily="34" charset="-120"/>
               </a:rPr>
-              <a:t>聖餐</a:t>
-            </a:r>
-            <a:r>
-              <a:rPr lang="en-US" altLang="zh-CN" sz="4800" b="1" dirty="0">
-                <a:solidFill>
-                  <a:srgbClr val="002060"/>
-                </a:solidFill>
-                <a:latin typeface="Microsoft JhengHei" panose="020B0604030504040204" pitchFamily="34" charset="-120"/>
-                <a:ea typeface="Microsoft JhengHei" panose="020B0604030504040204" pitchFamily="34" charset="-120"/>
-              </a:rPr>
-              <a:t>】</a:t>
-            </a:r>
-          </a:p>
-        </p:txBody>
-      </p:sp>
-      <p:sp>
-        <p:nvSpPr>
-          <p:cNvPr id="5" name="Content Placeholder 4"/>
-          <p:cNvSpPr>
-            <a:spLocks noGrp="1"/>
-          </p:cNvSpPr>
-          <p:nvPr>
-            <p:ph idx="1"/>
-          </p:nvPr>
+              <a:t>念主愛我至極</a:t>
+            </a:r>
+          </a:p>
+        </p:txBody>
+      </p:sp>
+      <p:sp>
+        <p:nvSpPr>
+          <p:cNvPr id="3" name="TextBox 2"/>
+          <p:cNvSpPr txBox="1"/>
+          <p:nvPr/>
         </p:nvSpPr>
         <p:spPr>
           <a:xfrm>
-            <a:off x="0" y="1600203"/>
-            <a:ext cx="12192000" cy="5257797"/>
-          </a:xfrm>
-        </p:spPr>
-        <p:txBody>
-          <a:bodyPr>
-            <a:normAutofit/>
-          </a:bodyPr>
-          <a:lstStyle/>
-          <a:p>
-            <a:pPr marL="0" indent="0" algn="ctr">
-              <a:buNone/>
-            </a:pPr>
-            <a:r>
-              <a:rPr lang="zh-CN" altLang="zh-TW" sz="5400" b="1" dirty="0">
-                <a:solidFill>
-                  <a:srgbClr val="002060"/>
-                </a:solidFill>
-                <a:latin typeface="Microsoft JhengHei" panose="020B0604030504040204" pitchFamily="34" charset="-120"/>
-                <a:ea typeface="Microsoft JhengHei" panose="020B0604030504040204" pitchFamily="34" charset="-120"/>
-              </a:rPr>
-              <a:t>我等如今在主面前</a:t>
-            </a:r>
-          </a:p>
-          <a:p>
-            <a:pPr marL="0" indent="0" algn="ctr">
-              <a:buNone/>
-            </a:pPr>
-            <a:r>
-              <a:rPr lang="zh-CN" altLang="zh-TW" sz="5400" b="1" dirty="0">
-                <a:solidFill>
-                  <a:srgbClr val="002060"/>
-                </a:solidFill>
-                <a:latin typeface="Microsoft JhengHei" panose="020B0604030504040204" pitchFamily="34" charset="-120"/>
-                <a:ea typeface="Microsoft JhengHei" panose="020B0604030504040204" pitchFamily="34" charset="-120"/>
-              </a:rPr>
-              <a:t>特來恭行聖禮</a:t>
-            </a:r>
-          </a:p>
-          <a:p>
-            <a:pPr marL="0" indent="0" algn="ctr">
-              <a:buNone/>
-            </a:pPr>
-            <a:r>
-              <a:rPr lang="zh-CN" altLang="zh-TW" sz="5400" b="1" dirty="0">
-                <a:solidFill>
-                  <a:srgbClr val="002060"/>
-                </a:solidFill>
-                <a:latin typeface="Microsoft JhengHei" panose="020B0604030504040204" pitchFamily="34" charset="-120"/>
-                <a:ea typeface="Microsoft JhengHei" panose="020B0604030504040204" pitchFamily="34" charset="-120"/>
-              </a:rPr>
-              <a:t>如此謹遵至愛遺言</a:t>
-            </a:r>
-          </a:p>
-          <a:p>
-            <a:pPr marL="0" indent="0" algn="ctr">
-              <a:buNone/>
-            </a:pPr>
-            <a:r>
-              <a:rPr lang="zh-CN" altLang="zh-TW" sz="5400" b="1" dirty="0">
-                <a:solidFill>
-                  <a:srgbClr val="002060"/>
-                </a:solidFill>
-                <a:latin typeface="Microsoft JhengHei" panose="020B0604030504040204" pitchFamily="34" charset="-120"/>
-                <a:ea typeface="Microsoft JhengHei" panose="020B0604030504040204" pitchFamily="34" charset="-120"/>
-              </a:rPr>
-              <a:t>乃要將主常記</a:t>
-            </a:r>
-          </a:p>
-        </p:txBody>
-      </p:sp>
-      <p:sp>
-        <p:nvSpPr>
-          <p:cNvPr id="6" name="Text Box 1"/>
-          <p:cNvSpPr txBox="1"/>
-          <p:nvPr/>
-        </p:nvSpPr>
-        <p:spPr>
-          <a:xfrm>
-            <a:off x="1055440" y="1700808"/>
-            <a:ext cx="1351226" cy="923330"/>
+            <a:off x="0" y="5061182"/>
+            <a:ext cx="12192000" cy="830997"/>
           </a:xfrm>
           <a:prstGeom prst="rect">
             <a:avLst/>
           </a:prstGeom>
           <a:noFill/>
-          <a:ln w="9525">
-            <a:noFill/>
-            <a:miter lim="800000"/>
-          </a:ln>
         </p:spPr>
         <p:txBody>
-          <a:bodyPr wrap="square">
+          <a:bodyPr wrap="square" rtlCol="0">
             <a:spAutoFit/>
           </a:bodyPr>
           <a:lstStyle/>
           <a:p>
             <a:pPr algn="ctr"/>
             <a:r>
-              <a:rPr lang="en-US" sz="5400" b="1" dirty="0">
+              <a:rPr lang="en-US" sz="4800" b="1" dirty="0">
                 <a:solidFill>
-                  <a:srgbClr val="002060"/>
+                  <a:srgbClr val="000066"/>
                 </a:solidFill>
               </a:rPr>
-              <a:t>1</a:t>
-            </a:r>
-            <a:r>
-              <a:rPr lang="en-US" sz="5400" b="1" dirty="0" smtClean="0">
-                <a:solidFill>
-                  <a:srgbClr val="002060"/>
-                </a:solidFill>
-              </a:rPr>
-              <a:t>.</a:t>
-            </a:r>
-            <a:endParaRPr lang="en-US" sz="5400" b="1" dirty="0">
+              <a:t>( 5 / 6 )</a:t>
+            </a:r>
+            <a:endParaRPr lang="vi-VN" sz="4800" b="1" dirty="0">
               <a:solidFill>
-                <a:srgbClr val="002060"/>
+                <a:srgbClr val="000066"/>
               </a:solidFill>
             </a:endParaRPr>
           </a:p>
@@ -3907,7 +3999,394 @@
     </p:spTree>
     <p:extLst>
       <p:ext uri="{BB962C8B-B14F-4D97-AF65-F5344CB8AC3E}">
-        <p14:creationId xmlns:p14="http://schemas.microsoft.com/office/powerpoint/2010/main" val="2603728080"/>
+        <p14:creationId xmlns:p14="http://schemas.microsoft.com/office/powerpoint/2010/main" val="2400347799"/>
+      </p:ext>
+    </p:extLst>
+  </p:cSld>
+  <p:clrMapOvr>
+    <a:masterClrMapping/>
+  </p:clrMapOvr>
+  <p:timing>
+    <p:tnLst>
+      <p:par>
+        <p:cTn id="1" dur="indefinite" restart="never" nodeType="tmRoot"/>
+      </p:par>
+    </p:tnLst>
+  </p:timing>
+</p:sld>
+</file>
+
+<file path=ppt/slides/slide11.xml><?xml version="1.0" encoding="utf-8"?>
+<p:sld xmlns:a="http://schemas.openxmlformats.org/drawingml/2006/main" xmlns:r="http://schemas.openxmlformats.org/officeDocument/2006/relationships" xmlns:p="http://schemas.openxmlformats.org/presentationml/2006/main">
+  <p:cSld>
+    <p:spTree>
+      <p:nvGrpSpPr>
+        <p:cNvPr id="1" name=""/>
+        <p:cNvGrpSpPr/>
+        <p:nvPr/>
+      </p:nvGrpSpPr>
+      <p:grpSpPr>
+        <a:xfrm>
+          <a:off x="0" y="0"/>
+          <a:ext cx="0" cy="0"/>
+          <a:chOff x="0" y="0"/>
+          <a:chExt cx="0" cy="0"/>
+        </a:xfrm>
+      </p:grpSpPr>
+      <p:sp>
+        <p:nvSpPr>
+          <p:cNvPr id="5" name="內容版面配置區 4"/>
+          <p:cNvSpPr>
+            <a:spLocks noGrp="1"/>
+          </p:cNvSpPr>
+          <p:nvPr>
+            <p:ph idx="1"/>
+          </p:nvPr>
+        </p:nvSpPr>
+        <p:spPr>
+          <a:xfrm>
+            <a:off x="0" y="2084851"/>
+            <a:ext cx="12192000" cy="2404863"/>
+          </a:xfrm>
+        </p:spPr>
+        <p:txBody>
+          <a:bodyPr anchor="ctr">
+            <a:normAutofit/>
+          </a:bodyPr>
+          <a:lstStyle/>
+          <a:p>
+            <a:pPr marL="0" indent="0" algn="ctr">
+              <a:buNone/>
+            </a:pPr>
+            <a:r>
+              <a:rPr lang="zh-CN" altLang="zh-TW" sz="6400" b="1" dirty="0">
+                <a:solidFill>
+                  <a:srgbClr val="000066"/>
+                </a:solidFill>
+                <a:latin typeface="Microsoft JhengHei" panose="020B0604030504040204" pitchFamily="34" charset="-120"/>
+                <a:ea typeface="Microsoft JhengHei" panose="020B0604030504040204" pitchFamily="34" charset="-120"/>
+              </a:rPr>
+              <a:t>尚有呼吸尚有血脈</a:t>
+            </a:r>
+          </a:p>
+          <a:p>
+            <a:pPr marL="0" indent="0" algn="ctr">
+              <a:buNone/>
+            </a:pPr>
+            <a:r>
+              <a:rPr lang="zh-CN" altLang="zh-TW" sz="6400" b="1" dirty="0">
+                <a:solidFill>
+                  <a:srgbClr val="000066"/>
+                </a:solidFill>
+                <a:latin typeface="Microsoft JhengHei" panose="020B0604030504040204" pitchFamily="34" charset="-120"/>
+                <a:ea typeface="Microsoft JhengHei" panose="020B0604030504040204" pitchFamily="34" charset="-120"/>
+              </a:rPr>
+              <a:t>我總將主永記</a:t>
+            </a:r>
+          </a:p>
+        </p:txBody>
+      </p:sp>
+      <p:sp>
+        <p:nvSpPr>
+          <p:cNvPr id="3" name="TextBox 2"/>
+          <p:cNvSpPr txBox="1"/>
+          <p:nvPr/>
+        </p:nvSpPr>
+        <p:spPr>
+          <a:xfrm>
+            <a:off x="0" y="5061182"/>
+            <a:ext cx="12192000" cy="830997"/>
+          </a:xfrm>
+          <a:prstGeom prst="rect">
+            <a:avLst/>
+          </a:prstGeom>
+          <a:noFill/>
+        </p:spPr>
+        <p:txBody>
+          <a:bodyPr wrap="square" rtlCol="0">
+            <a:spAutoFit/>
+          </a:bodyPr>
+          <a:lstStyle/>
+          <a:p>
+            <a:pPr algn="ctr"/>
+            <a:r>
+              <a:rPr lang="en-US" sz="4800" b="1" dirty="0">
+                <a:solidFill>
+                  <a:srgbClr val="000066"/>
+                </a:solidFill>
+              </a:rPr>
+              <a:t>( 5 / 6 )</a:t>
+            </a:r>
+            <a:endParaRPr lang="vi-VN" sz="4800" b="1" dirty="0">
+              <a:solidFill>
+                <a:srgbClr val="000066"/>
+              </a:solidFill>
+            </a:endParaRPr>
+          </a:p>
+        </p:txBody>
+      </p:sp>
+    </p:spTree>
+    <p:extLst>
+      <p:ext uri="{BB962C8B-B14F-4D97-AF65-F5344CB8AC3E}">
+        <p14:creationId xmlns:p14="http://schemas.microsoft.com/office/powerpoint/2010/main" val="2272341401"/>
+      </p:ext>
+    </p:extLst>
+  </p:cSld>
+  <p:clrMapOvr>
+    <a:masterClrMapping/>
+  </p:clrMapOvr>
+  <p:timing>
+    <p:tnLst>
+      <p:par>
+        <p:cTn id="1" dur="indefinite" restart="never" nodeType="tmRoot"/>
+      </p:par>
+    </p:tnLst>
+  </p:timing>
+</p:sld>
+</file>
+
+<file path=ppt/slides/slide12.xml><?xml version="1.0" encoding="utf-8"?>
+<p:sld xmlns:a="http://schemas.openxmlformats.org/drawingml/2006/main" xmlns:r="http://schemas.openxmlformats.org/officeDocument/2006/relationships" xmlns:p="http://schemas.openxmlformats.org/presentationml/2006/main">
+  <p:cSld>
+    <p:spTree>
+      <p:nvGrpSpPr>
+        <p:cNvPr id="1" name=""/>
+        <p:cNvGrpSpPr/>
+        <p:nvPr/>
+      </p:nvGrpSpPr>
+      <p:grpSpPr>
+        <a:xfrm>
+          <a:off x="0" y="0"/>
+          <a:ext cx="0" cy="0"/>
+          <a:chOff x="0" y="0"/>
+          <a:chExt cx="0" cy="0"/>
+        </a:xfrm>
+      </p:grpSpPr>
+      <p:sp>
+        <p:nvSpPr>
+          <p:cNvPr id="5" name="內容版面配置區 4"/>
+          <p:cNvSpPr>
+            <a:spLocks noGrp="1"/>
+          </p:cNvSpPr>
+          <p:nvPr>
+            <p:ph idx="1"/>
+          </p:nvPr>
+        </p:nvSpPr>
+        <p:spPr>
+          <a:xfrm>
+            <a:off x="0" y="2084851"/>
+            <a:ext cx="12192000" cy="2404863"/>
+          </a:xfrm>
+        </p:spPr>
+        <p:txBody>
+          <a:bodyPr anchor="ctr">
+            <a:normAutofit/>
+          </a:bodyPr>
+          <a:lstStyle/>
+          <a:p>
+            <a:pPr marL="0" indent="0" algn="ctr">
+              <a:buNone/>
+            </a:pPr>
+            <a:r>
+              <a:rPr lang="zh-CN" altLang="en-US" sz="6400" b="1" dirty="0">
+                <a:solidFill>
+                  <a:srgbClr val="000066"/>
+                </a:solidFill>
+                <a:latin typeface="Microsoft JhengHei" panose="020B0604030504040204" pitchFamily="34" charset="-120"/>
+                <a:ea typeface="Microsoft JhengHei" panose="020B0604030504040204" pitchFamily="34" charset="-120"/>
+              </a:rPr>
+              <a:t>待至臨終不能説話</a:t>
+            </a:r>
+          </a:p>
+          <a:p>
+            <a:pPr marL="0" indent="0" algn="ctr">
+              <a:buNone/>
+            </a:pPr>
+            <a:r>
+              <a:rPr lang="zh-CN" altLang="en-US" sz="6400" b="1" dirty="0">
+                <a:solidFill>
+                  <a:srgbClr val="000066"/>
+                </a:solidFill>
+                <a:latin typeface="Microsoft JhengHei" panose="020B0604030504040204" pitchFamily="34" charset="-120"/>
+                <a:ea typeface="Microsoft JhengHei" panose="020B0604030504040204" pitchFamily="34" charset="-120"/>
+              </a:rPr>
+              <a:t>念主仍然不息</a:t>
+            </a:r>
+          </a:p>
+        </p:txBody>
+      </p:sp>
+      <p:sp>
+        <p:nvSpPr>
+          <p:cNvPr id="3" name="TextBox 2"/>
+          <p:cNvSpPr txBox="1"/>
+          <p:nvPr/>
+        </p:nvSpPr>
+        <p:spPr>
+          <a:xfrm>
+            <a:off x="0" y="5061182"/>
+            <a:ext cx="12192000" cy="830997"/>
+          </a:xfrm>
+          <a:prstGeom prst="rect">
+            <a:avLst/>
+          </a:prstGeom>
+          <a:noFill/>
+        </p:spPr>
+        <p:txBody>
+          <a:bodyPr wrap="square" rtlCol="0">
+            <a:spAutoFit/>
+          </a:bodyPr>
+          <a:lstStyle/>
+          <a:p>
+            <a:pPr algn="ctr"/>
+            <a:r>
+              <a:rPr lang="en-US" sz="4800" b="1" dirty="0">
+                <a:solidFill>
+                  <a:srgbClr val="000066"/>
+                </a:solidFill>
+              </a:rPr>
+              <a:t>( 6 / 6 )</a:t>
+            </a:r>
+            <a:endParaRPr lang="vi-VN" sz="4800" b="1" dirty="0">
+              <a:solidFill>
+                <a:srgbClr val="000066"/>
+              </a:solidFill>
+            </a:endParaRPr>
+          </a:p>
+        </p:txBody>
+      </p:sp>
+    </p:spTree>
+    <p:extLst>
+      <p:ext uri="{BB962C8B-B14F-4D97-AF65-F5344CB8AC3E}">
+        <p14:creationId xmlns:p14="http://schemas.microsoft.com/office/powerpoint/2010/main" val="3338778119"/>
+      </p:ext>
+    </p:extLst>
+  </p:cSld>
+  <p:clrMapOvr>
+    <a:masterClrMapping/>
+  </p:clrMapOvr>
+  <p:timing>
+    <p:tnLst>
+      <p:par>
+        <p:cTn id="1" dur="indefinite" restart="never" nodeType="tmRoot"/>
+      </p:par>
+    </p:tnLst>
+  </p:timing>
+</p:sld>
+</file>
+
+<file path=ppt/slides/slide13.xml><?xml version="1.0" encoding="utf-8"?>
+<p:sld xmlns:a="http://schemas.openxmlformats.org/drawingml/2006/main" xmlns:r="http://schemas.openxmlformats.org/officeDocument/2006/relationships" xmlns:p="http://schemas.openxmlformats.org/presentationml/2006/main">
+  <p:cSld>
+    <p:spTree>
+      <p:nvGrpSpPr>
+        <p:cNvPr id="1" name=""/>
+        <p:cNvGrpSpPr/>
+        <p:nvPr/>
+      </p:nvGrpSpPr>
+      <p:grpSpPr>
+        <a:xfrm>
+          <a:off x="0" y="0"/>
+          <a:ext cx="0" cy="0"/>
+          <a:chOff x="0" y="0"/>
+          <a:chExt cx="0" cy="0"/>
+        </a:xfrm>
+      </p:grpSpPr>
+      <p:sp>
+        <p:nvSpPr>
+          <p:cNvPr id="5" name="內容版面配置區 4"/>
+          <p:cNvSpPr>
+            <a:spLocks noGrp="1"/>
+          </p:cNvSpPr>
+          <p:nvPr>
+            <p:ph idx="1"/>
+          </p:nvPr>
+        </p:nvSpPr>
+        <p:spPr>
+          <a:xfrm>
+            <a:off x="0" y="2084851"/>
+            <a:ext cx="12192000" cy="2404863"/>
+          </a:xfrm>
+        </p:spPr>
+        <p:txBody>
+          <a:bodyPr anchor="ctr">
+            <a:normAutofit/>
+          </a:bodyPr>
+          <a:lstStyle/>
+          <a:p>
+            <a:pPr marL="0" indent="0" algn="ctr">
+              <a:buNone/>
+            </a:pPr>
+            <a:r>
+              <a:rPr lang="zh-CN" altLang="en-US" sz="6400" b="1" dirty="0">
+                <a:solidFill>
+                  <a:srgbClr val="000066"/>
+                </a:solidFill>
+                <a:latin typeface="Microsoft JhengHei" panose="020B0604030504040204" pitchFamily="34" charset="-120"/>
+                <a:ea typeface="Microsoft JhengHei" panose="020B0604030504040204" pitchFamily="34" charset="-120"/>
+              </a:rPr>
+              <a:t>主再降臨從天而下</a:t>
+            </a:r>
+          </a:p>
+          <a:p>
+            <a:pPr marL="0" indent="0" algn="ctr">
+              <a:buNone/>
+            </a:pPr>
+            <a:r>
+              <a:rPr lang="zh-CN" altLang="en-US" sz="6400" b="1" dirty="0">
+                <a:solidFill>
+                  <a:srgbClr val="000066"/>
+                </a:solidFill>
+                <a:latin typeface="Microsoft JhengHei" panose="020B0604030504040204" pitchFamily="34" charset="-120"/>
+                <a:ea typeface="Microsoft JhengHei" panose="020B0604030504040204" pitchFamily="34" charset="-120"/>
+              </a:rPr>
+              <a:t>懇求亦將我記</a:t>
+            </a:r>
+          </a:p>
+        </p:txBody>
+      </p:sp>
+      <p:sp>
+        <p:nvSpPr>
+          <p:cNvPr id="3" name="TextBox 2"/>
+          <p:cNvSpPr txBox="1"/>
+          <p:nvPr/>
+        </p:nvSpPr>
+        <p:spPr>
+          <a:xfrm>
+            <a:off x="0" y="5061182"/>
+            <a:ext cx="12192000" cy="830997"/>
+          </a:xfrm>
+          <a:prstGeom prst="rect">
+            <a:avLst/>
+          </a:prstGeom>
+          <a:noFill/>
+        </p:spPr>
+        <p:txBody>
+          <a:bodyPr wrap="square" rtlCol="0">
+            <a:spAutoFit/>
+          </a:bodyPr>
+          <a:lstStyle/>
+          <a:p>
+            <a:pPr algn="ctr"/>
+            <a:r>
+              <a:rPr lang="en-US" sz="4800" b="1" dirty="0">
+                <a:solidFill>
+                  <a:srgbClr val="000066"/>
+                </a:solidFill>
+              </a:rPr>
+              <a:t>( 6 / 6 )</a:t>
+            </a:r>
+            <a:endParaRPr lang="vi-VN" sz="4800" b="1" dirty="0">
+              <a:solidFill>
+                <a:srgbClr val="000066"/>
+              </a:solidFill>
+            </a:endParaRPr>
+          </a:p>
+        </p:txBody>
+      </p:sp>
+    </p:spTree>
+    <p:extLst>
+      <p:ext uri="{BB962C8B-B14F-4D97-AF65-F5344CB8AC3E}">
+        <p14:creationId xmlns:p14="http://schemas.microsoft.com/office/powerpoint/2010/main" val="2697870148"/>
       </p:ext>
     </p:extLst>
   </p:cSld>
@@ -3943,183 +4422,98 @@
       </p:grpSpPr>
       <p:sp>
         <p:nvSpPr>
-          <p:cNvPr id="4" name="Title 3"/>
-          <p:cNvSpPr>
-            <a:spLocks noGrp="1"/>
-          </p:cNvSpPr>
-          <p:nvPr>
-            <p:ph type="title"/>
-          </p:nvPr>
-        </p:nvSpPr>
-        <p:spPr/>
-        <p:txBody>
-          <a:bodyPr>
+          <p:cNvPr id="5" name="內容版面配置區 4"/>
+          <p:cNvSpPr>
+            <a:spLocks noGrp="1"/>
+          </p:cNvSpPr>
+          <p:nvPr>
+            <p:ph idx="1"/>
+          </p:nvPr>
+        </p:nvSpPr>
+        <p:spPr>
+          <a:xfrm>
+            <a:off x="0" y="2084851"/>
+            <a:ext cx="12192000" cy="2404863"/>
+          </a:xfrm>
+        </p:spPr>
+        <p:txBody>
+          <a:bodyPr anchor="ctr">
             <a:normAutofit/>
           </a:bodyPr>
           <a:lstStyle/>
           <a:p>
-            <a:r>
-              <a:rPr lang="en-US" altLang="zh-CN" sz="4800" b="1" dirty="0">
+            <a:pPr marL="0" indent="0" algn="ctr">
+              <a:buNone/>
+            </a:pPr>
+            <a:r>
+              <a:rPr lang="zh-CN" altLang="zh-TW" sz="6400" b="1" dirty="0">
                 <a:solidFill>
-                  <a:srgbClr val="002060"/>
+                  <a:srgbClr val="000066"/>
                 </a:solidFill>
                 <a:latin typeface="Microsoft JhengHei" panose="020B0604030504040204" pitchFamily="34" charset="-120"/>
                 <a:ea typeface="Microsoft JhengHei" panose="020B0604030504040204" pitchFamily="34" charset="-120"/>
               </a:rPr>
-              <a:t>【</a:t>
-            </a:r>
-            <a:r>
-              <a:rPr lang="zh-CN" altLang="en-US" sz="4800" b="1" dirty="0">
+              <a:t>我等如今在主面前</a:t>
+            </a:r>
+          </a:p>
+          <a:p>
+            <a:pPr marL="0" indent="0" algn="ctr">
+              <a:buNone/>
+            </a:pPr>
+            <a:r>
+              <a:rPr lang="zh-CN" altLang="zh-TW" sz="6400" b="1" dirty="0">
                 <a:solidFill>
-                  <a:srgbClr val="002060"/>
+                  <a:srgbClr val="000066"/>
                 </a:solidFill>
                 <a:latin typeface="Microsoft JhengHei" panose="020B0604030504040204" pitchFamily="34" charset="-120"/>
                 <a:ea typeface="Microsoft JhengHei" panose="020B0604030504040204" pitchFamily="34" charset="-120"/>
               </a:rPr>
-              <a:t>聖餐</a:t>
-            </a:r>
-            <a:r>
-              <a:rPr lang="en-US" altLang="zh-CN" sz="4800" b="1" dirty="0">
-                <a:solidFill>
-                  <a:srgbClr val="002060"/>
-                </a:solidFill>
-                <a:latin typeface="Microsoft JhengHei" panose="020B0604030504040204" pitchFamily="34" charset="-120"/>
-                <a:ea typeface="Microsoft JhengHei" panose="020B0604030504040204" pitchFamily="34" charset="-120"/>
-              </a:rPr>
-              <a:t>】</a:t>
-            </a:r>
-          </a:p>
-        </p:txBody>
-      </p:sp>
-      <p:sp>
-        <p:nvSpPr>
-          <p:cNvPr id="5" name="Content Placeholder 4"/>
-          <p:cNvSpPr>
-            <a:spLocks noGrp="1"/>
-          </p:cNvSpPr>
-          <p:nvPr>
-            <p:ph idx="1"/>
-          </p:nvPr>
+              <a:t>特來恭行聖禮</a:t>
+            </a:r>
+            <a:endParaRPr lang="zh-CN" altLang="zh-TW" sz="6400" b="1" dirty="0">
+              <a:solidFill>
+                <a:srgbClr val="000066"/>
+              </a:solidFill>
+              <a:latin typeface="Microsoft JhengHei" panose="020B0604030504040204" pitchFamily="34" charset="-120"/>
+              <a:ea typeface="Microsoft JhengHei" panose="020B0604030504040204" pitchFamily="34" charset="-120"/>
+            </a:endParaRPr>
+          </a:p>
+        </p:txBody>
+      </p:sp>
+      <p:sp>
+        <p:nvSpPr>
+          <p:cNvPr id="3" name="TextBox 2"/>
+          <p:cNvSpPr txBox="1"/>
+          <p:nvPr/>
         </p:nvSpPr>
         <p:spPr>
           <a:xfrm>
-            <a:off x="0" y="1600203"/>
-            <a:ext cx="12192000" cy="5257797"/>
-          </a:xfrm>
-        </p:spPr>
-        <p:txBody>
-          <a:bodyPr>
-            <a:normAutofit/>
-          </a:bodyPr>
-          <a:lstStyle/>
-          <a:p>
-            <a:pPr marL="0" indent="0" algn="ctr">
-              <a:buNone/>
-            </a:pPr>
-            <a:r>
-              <a:rPr lang="zh-CN" altLang="zh-TW" sz="5400" b="1" dirty="0">
-                <a:solidFill>
-                  <a:srgbClr val="002060"/>
-                </a:solidFill>
-                <a:latin typeface="Microsoft JhengHei" panose="020B0604030504040204" pitchFamily="34" charset="-120"/>
-                <a:ea typeface="Microsoft JhengHei" panose="020B0604030504040204" pitchFamily="34" charset="-120"/>
-              </a:rPr>
-              <a:t>因主捨身為我靈餅</a:t>
-            </a:r>
-          </a:p>
-          <a:p>
-            <a:pPr marL="0" indent="0" algn="ctr">
-              <a:buNone/>
-            </a:pPr>
-            <a:r>
-              <a:rPr lang="zh-CN" altLang="zh-TW" sz="5400" b="1" dirty="0">
-                <a:solidFill>
-                  <a:srgbClr val="002060"/>
-                </a:solidFill>
-                <a:latin typeface="Microsoft JhengHei" panose="020B0604030504040204" pitchFamily="34" charset="-120"/>
-                <a:ea typeface="Microsoft JhengHei" panose="020B0604030504040204" pitchFamily="34" charset="-120"/>
-              </a:rPr>
-              <a:t>心中感謝不已</a:t>
-            </a:r>
-          </a:p>
-          <a:p>
-            <a:pPr marL="0" indent="0" algn="ctr">
-              <a:buNone/>
-            </a:pPr>
-            <a:r>
-              <a:rPr lang="zh-CN" altLang="zh-TW" sz="5400" b="1" dirty="0">
-                <a:solidFill>
-                  <a:srgbClr val="002060"/>
-                </a:solidFill>
-                <a:latin typeface="Microsoft JhengHei" panose="020B0604030504040204" pitchFamily="34" charset="-120"/>
-                <a:ea typeface="Microsoft JhengHei" panose="020B0604030504040204" pitchFamily="34" charset="-120"/>
-              </a:rPr>
-              <a:t>共飲主杯同昭虔敬</a:t>
-            </a:r>
-          </a:p>
-          <a:p>
-            <a:pPr marL="0" indent="0" algn="ctr">
-              <a:buNone/>
-            </a:pPr>
-            <a:r>
-              <a:rPr lang="zh-CN" altLang="zh-TW" sz="5400" b="1" dirty="0">
-                <a:solidFill>
-                  <a:srgbClr val="002060"/>
-                </a:solidFill>
-                <a:latin typeface="Microsoft JhengHei" panose="020B0604030504040204" pitchFamily="34" charset="-120"/>
-                <a:ea typeface="Microsoft JhengHei" panose="020B0604030504040204" pitchFamily="34" charset="-120"/>
-              </a:rPr>
-              <a:t>如此將主常記</a:t>
-            </a:r>
-          </a:p>
-        </p:txBody>
-      </p:sp>
-      <p:sp>
-        <p:nvSpPr>
-          <p:cNvPr id="6" name="Text Box 1"/>
-          <p:cNvSpPr txBox="1"/>
-          <p:nvPr/>
-        </p:nvSpPr>
-        <p:spPr>
-          <a:xfrm>
-            <a:off x="1055440" y="1700808"/>
-            <a:ext cx="1351226" cy="923330"/>
+            <a:off x="0" y="5061182"/>
+            <a:ext cx="12192000" cy="830997"/>
           </a:xfrm>
           <a:prstGeom prst="rect">
             <a:avLst/>
           </a:prstGeom>
           <a:noFill/>
-          <a:ln w="9525">
-            <a:noFill/>
-            <a:miter lim="800000"/>
-          </a:ln>
         </p:spPr>
         <p:txBody>
-          <a:bodyPr wrap="square">
+          <a:bodyPr wrap="square" rtlCol="0">
             <a:spAutoFit/>
           </a:bodyPr>
           <a:lstStyle/>
           <a:p>
             <a:pPr algn="ctr"/>
             <a:r>
-              <a:rPr lang="en-US" sz="5400" b="1" dirty="0">
+              <a:rPr lang="en-US" sz="4800" b="1" dirty="0">
                 <a:solidFill>
-                  <a:srgbClr val="002060"/>
+                  <a:srgbClr val="000066"/>
                 </a:solidFill>
               </a:rPr>
-              <a:t>2</a:t>
-            </a:r>
-            <a:r>
-              <a:rPr lang="en-US" sz="5400" b="1" dirty="0" smtClean="0">
-                <a:solidFill>
-                  <a:srgbClr val="002060"/>
-                </a:solidFill>
-              </a:rPr>
-              <a:t>.</a:t>
-            </a:r>
-            <a:endParaRPr lang="en-US" sz="5400" b="1" dirty="0">
+              <a:t>( 1 / 6 )</a:t>
+            </a:r>
+            <a:endParaRPr lang="vi-VN" sz="4800" b="1" dirty="0">
               <a:solidFill>
-                <a:srgbClr val="002060"/>
+                <a:srgbClr val="000066"/>
               </a:solidFill>
             </a:endParaRPr>
           </a:p>
@@ -4128,7 +4522,7 @@
     </p:spTree>
     <p:extLst>
       <p:ext uri="{BB962C8B-B14F-4D97-AF65-F5344CB8AC3E}">
-        <p14:creationId xmlns:p14="http://schemas.microsoft.com/office/powerpoint/2010/main" val="53407174"/>
+        <p14:creationId xmlns:p14="http://schemas.microsoft.com/office/powerpoint/2010/main" val="3739588366"/>
       </p:ext>
     </p:extLst>
   </p:cSld>
@@ -4164,183 +4558,98 @@
       </p:grpSpPr>
       <p:sp>
         <p:nvSpPr>
-          <p:cNvPr id="4" name="Title 3"/>
-          <p:cNvSpPr>
-            <a:spLocks noGrp="1"/>
-          </p:cNvSpPr>
-          <p:nvPr>
-            <p:ph type="title"/>
-          </p:nvPr>
-        </p:nvSpPr>
-        <p:spPr/>
-        <p:txBody>
-          <a:bodyPr>
+          <p:cNvPr id="5" name="內容版面配置區 4"/>
+          <p:cNvSpPr>
+            <a:spLocks noGrp="1"/>
+          </p:cNvSpPr>
+          <p:nvPr>
+            <p:ph idx="1"/>
+          </p:nvPr>
+        </p:nvSpPr>
+        <p:spPr>
+          <a:xfrm>
+            <a:off x="0" y="2084851"/>
+            <a:ext cx="12192000" cy="2404863"/>
+          </a:xfrm>
+        </p:spPr>
+        <p:txBody>
+          <a:bodyPr anchor="ctr">
             <a:normAutofit/>
           </a:bodyPr>
           <a:lstStyle/>
           <a:p>
-            <a:r>
-              <a:rPr lang="en-US" altLang="zh-CN" sz="4800" b="1" dirty="0">
+            <a:pPr marL="0" indent="0" algn="ctr">
+              <a:buNone/>
+            </a:pPr>
+            <a:r>
+              <a:rPr lang="zh-CN" altLang="zh-TW" sz="6400" b="1" dirty="0">
                 <a:solidFill>
-                  <a:srgbClr val="002060"/>
+                  <a:srgbClr val="000066"/>
                 </a:solidFill>
                 <a:latin typeface="Microsoft JhengHei" panose="020B0604030504040204" pitchFamily="34" charset="-120"/>
                 <a:ea typeface="Microsoft JhengHei" panose="020B0604030504040204" pitchFamily="34" charset="-120"/>
               </a:rPr>
-              <a:t>【</a:t>
-            </a:r>
-            <a:r>
-              <a:rPr lang="zh-CN" altLang="en-US" sz="4800" b="1" dirty="0">
+              <a:t>如此謹遵至愛遺言</a:t>
+            </a:r>
+          </a:p>
+          <a:p>
+            <a:pPr marL="0" indent="0" algn="ctr">
+              <a:buNone/>
+            </a:pPr>
+            <a:r>
+              <a:rPr lang="zh-CN" altLang="zh-TW" sz="6400" b="1" dirty="0">
                 <a:solidFill>
-                  <a:srgbClr val="002060"/>
+                  <a:srgbClr val="000066"/>
                 </a:solidFill>
                 <a:latin typeface="Microsoft JhengHei" panose="020B0604030504040204" pitchFamily="34" charset="-120"/>
                 <a:ea typeface="Microsoft JhengHei" panose="020B0604030504040204" pitchFamily="34" charset="-120"/>
               </a:rPr>
-              <a:t>聖餐</a:t>
-            </a:r>
-            <a:r>
-              <a:rPr lang="en-US" altLang="zh-CN" sz="4800" b="1" dirty="0">
-                <a:solidFill>
-                  <a:srgbClr val="002060"/>
-                </a:solidFill>
-                <a:latin typeface="Microsoft JhengHei" panose="020B0604030504040204" pitchFamily="34" charset="-120"/>
-                <a:ea typeface="Microsoft JhengHei" panose="020B0604030504040204" pitchFamily="34" charset="-120"/>
-              </a:rPr>
-              <a:t>】</a:t>
-            </a:r>
-          </a:p>
-        </p:txBody>
-      </p:sp>
-      <p:sp>
-        <p:nvSpPr>
-          <p:cNvPr id="5" name="Content Placeholder 4"/>
-          <p:cNvSpPr>
-            <a:spLocks noGrp="1"/>
-          </p:cNvSpPr>
-          <p:nvPr>
-            <p:ph idx="1"/>
-          </p:nvPr>
+              <a:t>乃要將主常記</a:t>
+            </a:r>
+            <a:endParaRPr lang="zh-CN" altLang="zh-TW" sz="6400" b="1" dirty="0">
+              <a:solidFill>
+                <a:srgbClr val="000066"/>
+              </a:solidFill>
+              <a:latin typeface="Microsoft JhengHei" panose="020B0604030504040204" pitchFamily="34" charset="-120"/>
+              <a:ea typeface="Microsoft JhengHei" panose="020B0604030504040204" pitchFamily="34" charset="-120"/>
+            </a:endParaRPr>
+          </a:p>
+        </p:txBody>
+      </p:sp>
+      <p:sp>
+        <p:nvSpPr>
+          <p:cNvPr id="3" name="TextBox 2"/>
+          <p:cNvSpPr txBox="1"/>
+          <p:nvPr/>
         </p:nvSpPr>
         <p:spPr>
           <a:xfrm>
-            <a:off x="0" y="1600203"/>
-            <a:ext cx="12192000" cy="5257797"/>
-          </a:xfrm>
-        </p:spPr>
-        <p:txBody>
-          <a:bodyPr>
-            <a:normAutofit/>
-          </a:bodyPr>
-          <a:lstStyle/>
-          <a:p>
-            <a:pPr marL="0" indent="0" algn="ctr">
-              <a:buNone/>
-            </a:pPr>
-            <a:r>
-              <a:rPr lang="zh-CN" altLang="zh-TW" sz="5400" b="1" dirty="0">
-                <a:solidFill>
-                  <a:srgbClr val="002060"/>
-                </a:solidFill>
-                <a:latin typeface="Microsoft JhengHei" panose="020B0604030504040204" pitchFamily="34" charset="-120"/>
-                <a:ea typeface="Microsoft JhengHei" panose="020B0604030504040204" pitchFamily="34" charset="-120"/>
-              </a:rPr>
-              <a:t>主在花園三次祈禱</a:t>
-            </a:r>
-          </a:p>
-          <a:p>
-            <a:pPr marL="0" indent="0" algn="ctr">
-              <a:buNone/>
-            </a:pPr>
-            <a:r>
-              <a:rPr lang="zh-CN" altLang="zh-TW" sz="5400" b="1" dirty="0">
-                <a:solidFill>
-                  <a:srgbClr val="002060"/>
-                </a:solidFill>
-                <a:latin typeface="Microsoft JhengHei" panose="020B0604030504040204" pitchFamily="34" charset="-120"/>
-                <a:ea typeface="Microsoft JhengHei" panose="020B0604030504040204" pitchFamily="34" charset="-120"/>
-              </a:rPr>
-              <a:t>負罪懷憂無比</a:t>
-            </a:r>
-          </a:p>
-          <a:p>
-            <a:pPr marL="0" indent="0" algn="ctr">
-              <a:buNone/>
-            </a:pPr>
-            <a:r>
-              <a:rPr lang="zh-CN" altLang="zh-TW" sz="5400" b="1" dirty="0">
-                <a:solidFill>
-                  <a:srgbClr val="002060"/>
-                </a:solidFill>
-                <a:latin typeface="Microsoft JhengHei" panose="020B0604030504040204" pitchFamily="34" charset="-120"/>
-                <a:ea typeface="Microsoft JhengHei" panose="020B0604030504040204" pitchFamily="34" charset="-120"/>
-              </a:rPr>
-              <a:t>汗流如血極其苦惱</a:t>
-            </a:r>
-          </a:p>
-          <a:p>
-            <a:pPr marL="0" indent="0" algn="ctr">
-              <a:buNone/>
-            </a:pPr>
-            <a:r>
-              <a:rPr lang="zh-CN" altLang="zh-TW" sz="5400" b="1" dirty="0">
-                <a:solidFill>
-                  <a:srgbClr val="002060"/>
-                </a:solidFill>
-                <a:latin typeface="Microsoft JhengHei" panose="020B0604030504040204" pitchFamily="34" charset="-120"/>
-                <a:ea typeface="Microsoft JhengHei" panose="020B0604030504040204" pitchFamily="34" charset="-120"/>
-              </a:rPr>
-              <a:t>何能將主忘記</a:t>
-            </a:r>
-          </a:p>
-        </p:txBody>
-      </p:sp>
-      <p:sp>
-        <p:nvSpPr>
-          <p:cNvPr id="6" name="Text Box 1"/>
-          <p:cNvSpPr txBox="1"/>
-          <p:nvPr/>
-        </p:nvSpPr>
-        <p:spPr>
-          <a:xfrm>
-            <a:off x="1055440" y="1700808"/>
-            <a:ext cx="1351226" cy="923330"/>
+            <a:off x="0" y="5061182"/>
+            <a:ext cx="12192000" cy="830997"/>
           </a:xfrm>
           <a:prstGeom prst="rect">
             <a:avLst/>
           </a:prstGeom>
           <a:noFill/>
-          <a:ln w="9525">
-            <a:noFill/>
-            <a:miter lim="800000"/>
-          </a:ln>
         </p:spPr>
         <p:txBody>
-          <a:bodyPr wrap="square">
+          <a:bodyPr wrap="square" rtlCol="0">
             <a:spAutoFit/>
           </a:bodyPr>
           <a:lstStyle/>
           <a:p>
             <a:pPr algn="ctr"/>
             <a:r>
-              <a:rPr lang="en-US" sz="5400" b="1" dirty="0">
+              <a:rPr lang="en-US" sz="4800" b="1" dirty="0">
                 <a:solidFill>
-                  <a:srgbClr val="002060"/>
+                  <a:srgbClr val="000066"/>
                 </a:solidFill>
               </a:rPr>
-              <a:t>3</a:t>
-            </a:r>
-            <a:r>
-              <a:rPr lang="en-US" sz="5400" b="1" dirty="0" smtClean="0">
-                <a:solidFill>
-                  <a:srgbClr val="002060"/>
-                </a:solidFill>
-              </a:rPr>
-              <a:t>.</a:t>
-            </a:r>
-            <a:endParaRPr lang="en-US" sz="5400" b="1" dirty="0">
+              <a:t>( 1 / 6 )</a:t>
+            </a:r>
+            <a:endParaRPr lang="vi-VN" sz="4800" b="1" dirty="0">
               <a:solidFill>
-                <a:srgbClr val="002060"/>
+                <a:srgbClr val="000066"/>
               </a:solidFill>
             </a:endParaRPr>
           </a:p>
@@ -4349,7 +4658,7 @@
     </p:spTree>
     <p:extLst>
       <p:ext uri="{BB962C8B-B14F-4D97-AF65-F5344CB8AC3E}">
-        <p14:creationId xmlns:p14="http://schemas.microsoft.com/office/powerpoint/2010/main" val="3760895366"/>
+        <p14:creationId xmlns:p14="http://schemas.microsoft.com/office/powerpoint/2010/main" val="4017907251"/>
       </p:ext>
     </p:extLst>
   </p:cSld>
@@ -4385,183 +4694,91 @@
       </p:grpSpPr>
       <p:sp>
         <p:nvSpPr>
-          <p:cNvPr id="4" name="Title 3"/>
-          <p:cNvSpPr>
-            <a:spLocks noGrp="1"/>
-          </p:cNvSpPr>
-          <p:nvPr>
-            <p:ph type="title"/>
-          </p:nvPr>
-        </p:nvSpPr>
-        <p:spPr/>
-        <p:txBody>
-          <a:bodyPr>
+          <p:cNvPr id="5" name="內容版面配置區 4"/>
+          <p:cNvSpPr>
+            <a:spLocks noGrp="1"/>
+          </p:cNvSpPr>
+          <p:nvPr>
+            <p:ph idx="1"/>
+          </p:nvPr>
+        </p:nvSpPr>
+        <p:spPr>
+          <a:xfrm>
+            <a:off x="0" y="2084851"/>
+            <a:ext cx="12192000" cy="2404863"/>
+          </a:xfrm>
+        </p:spPr>
+        <p:txBody>
+          <a:bodyPr anchor="ctr">
             <a:normAutofit/>
           </a:bodyPr>
           <a:lstStyle/>
           <a:p>
-            <a:r>
-              <a:rPr lang="en-US" altLang="zh-CN" sz="4800" b="1" dirty="0">
+            <a:pPr marL="0" indent="0" algn="ctr">
+              <a:buNone/>
+            </a:pPr>
+            <a:r>
+              <a:rPr lang="zh-CN" altLang="zh-TW" sz="6400" b="1" dirty="0">
                 <a:solidFill>
-                  <a:srgbClr val="002060"/>
+                  <a:srgbClr val="000066"/>
                 </a:solidFill>
                 <a:latin typeface="Microsoft JhengHei" panose="020B0604030504040204" pitchFamily="34" charset="-120"/>
                 <a:ea typeface="Microsoft JhengHei" panose="020B0604030504040204" pitchFamily="34" charset="-120"/>
               </a:rPr>
-              <a:t>【</a:t>
-            </a:r>
-            <a:r>
-              <a:rPr lang="zh-CN" altLang="en-US" sz="4800" b="1" dirty="0">
+              <a:t>因主捨身為我靈餅</a:t>
+            </a:r>
+          </a:p>
+          <a:p>
+            <a:pPr marL="0" indent="0" algn="ctr">
+              <a:buNone/>
+            </a:pPr>
+            <a:r>
+              <a:rPr lang="zh-CN" altLang="zh-TW" sz="6400" b="1" dirty="0">
                 <a:solidFill>
-                  <a:srgbClr val="002060"/>
+                  <a:srgbClr val="000066"/>
                 </a:solidFill>
                 <a:latin typeface="Microsoft JhengHei" panose="020B0604030504040204" pitchFamily="34" charset="-120"/>
                 <a:ea typeface="Microsoft JhengHei" panose="020B0604030504040204" pitchFamily="34" charset="-120"/>
               </a:rPr>
-              <a:t>聖餐</a:t>
-            </a:r>
-            <a:r>
-              <a:rPr lang="en-US" altLang="zh-CN" sz="4800" b="1" dirty="0">
-                <a:solidFill>
-                  <a:srgbClr val="002060"/>
-                </a:solidFill>
-                <a:latin typeface="Microsoft JhengHei" panose="020B0604030504040204" pitchFamily="34" charset="-120"/>
-                <a:ea typeface="Microsoft JhengHei" panose="020B0604030504040204" pitchFamily="34" charset="-120"/>
-              </a:rPr>
-              <a:t>】</a:t>
-            </a:r>
-          </a:p>
-        </p:txBody>
-      </p:sp>
-      <p:sp>
-        <p:nvSpPr>
-          <p:cNvPr id="5" name="Content Placeholder 4"/>
-          <p:cNvSpPr>
-            <a:spLocks noGrp="1"/>
-          </p:cNvSpPr>
-          <p:nvPr>
-            <p:ph idx="1"/>
-          </p:nvPr>
+              <a:t>心中感謝不已</a:t>
+            </a:r>
+          </a:p>
+        </p:txBody>
+      </p:sp>
+      <p:sp>
+        <p:nvSpPr>
+          <p:cNvPr id="3" name="TextBox 2"/>
+          <p:cNvSpPr txBox="1"/>
+          <p:nvPr/>
         </p:nvSpPr>
         <p:spPr>
           <a:xfrm>
-            <a:off x="0" y="1600203"/>
-            <a:ext cx="12192000" cy="5257797"/>
-          </a:xfrm>
-        </p:spPr>
-        <p:txBody>
-          <a:bodyPr>
-            <a:normAutofit/>
-          </a:bodyPr>
-          <a:lstStyle/>
-          <a:p>
-            <a:pPr marL="0" indent="0" algn="ctr">
-              <a:buNone/>
-            </a:pPr>
-            <a:r>
-              <a:rPr lang="zh-CN" altLang="zh-TW" sz="5400" b="1" dirty="0">
-                <a:solidFill>
-                  <a:srgbClr val="002060"/>
-                </a:solidFill>
-                <a:latin typeface="Microsoft JhengHei" panose="020B0604030504040204" pitchFamily="34" charset="-120"/>
-                <a:ea typeface="Microsoft JhengHei" panose="020B0604030504040204" pitchFamily="34" charset="-120"/>
-              </a:rPr>
-              <a:t>主釘十架我每思想</a:t>
-            </a:r>
-          </a:p>
-          <a:p>
-            <a:pPr marL="0" indent="0" algn="ctr">
-              <a:buNone/>
-            </a:pPr>
-            <a:r>
-              <a:rPr lang="zh-CN" altLang="zh-TW" sz="5400" b="1" dirty="0">
-                <a:solidFill>
-                  <a:srgbClr val="002060"/>
-                </a:solidFill>
-                <a:latin typeface="Microsoft JhengHei" panose="020B0604030504040204" pitchFamily="34" charset="-120"/>
-                <a:ea typeface="Microsoft JhengHei" panose="020B0604030504040204" pitchFamily="34" charset="-120"/>
-              </a:rPr>
-              <a:t>注目在髑髏地</a:t>
-            </a:r>
-          </a:p>
-          <a:p>
-            <a:pPr marL="0" indent="0" algn="ctr">
-              <a:buNone/>
-            </a:pPr>
-            <a:r>
-              <a:rPr lang="zh-CN" altLang="zh-TW" sz="5400" b="1" dirty="0">
-                <a:solidFill>
-                  <a:srgbClr val="002060"/>
-                </a:solidFill>
-                <a:latin typeface="Microsoft JhengHei" panose="020B0604030504040204" pitchFamily="34" charset="-120"/>
-                <a:ea typeface="Microsoft JhengHei" panose="020B0604030504040204" pitchFamily="34" charset="-120"/>
-              </a:rPr>
-              <a:t>上帝羔羊為我獻上</a:t>
-            </a:r>
-          </a:p>
-          <a:p>
-            <a:pPr marL="0" indent="0" algn="ctr">
-              <a:buNone/>
-            </a:pPr>
-            <a:r>
-              <a:rPr lang="zh-CN" altLang="zh-TW" sz="5400" b="1" dirty="0">
-                <a:solidFill>
-                  <a:srgbClr val="002060"/>
-                </a:solidFill>
-                <a:latin typeface="Microsoft JhengHei" panose="020B0604030504040204" pitchFamily="34" charset="-120"/>
-                <a:ea typeface="Microsoft JhengHei" panose="020B0604030504040204" pitchFamily="34" charset="-120"/>
-              </a:rPr>
-              <a:t>必定將主切記</a:t>
-            </a:r>
-          </a:p>
-        </p:txBody>
-      </p:sp>
-      <p:sp>
-        <p:nvSpPr>
-          <p:cNvPr id="6" name="Text Box 1"/>
-          <p:cNvSpPr txBox="1"/>
-          <p:nvPr/>
-        </p:nvSpPr>
-        <p:spPr>
-          <a:xfrm>
-            <a:off x="1055440" y="1700808"/>
-            <a:ext cx="1351226" cy="923330"/>
+            <a:off x="0" y="5061182"/>
+            <a:ext cx="12192000" cy="830997"/>
           </a:xfrm>
           <a:prstGeom prst="rect">
             <a:avLst/>
           </a:prstGeom>
           <a:noFill/>
-          <a:ln w="9525">
-            <a:noFill/>
-            <a:miter lim="800000"/>
-          </a:ln>
         </p:spPr>
         <p:txBody>
-          <a:bodyPr wrap="square">
+          <a:bodyPr wrap="square" rtlCol="0">
             <a:spAutoFit/>
           </a:bodyPr>
           <a:lstStyle/>
           <a:p>
             <a:pPr algn="ctr"/>
             <a:r>
-              <a:rPr lang="en-US" sz="5400" b="1" dirty="0">
+              <a:rPr lang="en-US" sz="4800" b="1" dirty="0">
                 <a:solidFill>
-                  <a:srgbClr val="002060"/>
+                  <a:srgbClr val="000066"/>
                 </a:solidFill>
               </a:rPr>
-              <a:t>4</a:t>
-            </a:r>
-            <a:r>
-              <a:rPr lang="en-US" sz="5400" b="1" dirty="0" smtClean="0">
-                <a:solidFill>
-                  <a:srgbClr val="002060"/>
-                </a:solidFill>
-              </a:rPr>
-              <a:t>.</a:t>
-            </a:r>
-            <a:endParaRPr lang="en-US" sz="5400" b="1" dirty="0">
+              <a:t>( 2 / 6 )</a:t>
+            </a:r>
+            <a:endParaRPr lang="vi-VN" sz="4800" b="1" dirty="0">
               <a:solidFill>
-                <a:srgbClr val="002060"/>
+                <a:srgbClr val="000066"/>
               </a:solidFill>
             </a:endParaRPr>
           </a:p>
@@ -4570,7 +4787,7 @@
     </p:spTree>
     <p:extLst>
       <p:ext uri="{BB962C8B-B14F-4D97-AF65-F5344CB8AC3E}">
-        <p14:creationId xmlns:p14="http://schemas.microsoft.com/office/powerpoint/2010/main" val="3448642941"/>
+        <p14:creationId xmlns:p14="http://schemas.microsoft.com/office/powerpoint/2010/main" val="966832900"/>
       </p:ext>
     </p:extLst>
   </p:cSld>
@@ -4606,183 +4823,91 @@
       </p:grpSpPr>
       <p:sp>
         <p:nvSpPr>
-          <p:cNvPr id="4" name="Title 3"/>
-          <p:cNvSpPr>
-            <a:spLocks noGrp="1"/>
-          </p:cNvSpPr>
-          <p:nvPr>
-            <p:ph type="title"/>
-          </p:nvPr>
-        </p:nvSpPr>
-        <p:spPr/>
-        <p:txBody>
-          <a:bodyPr>
+          <p:cNvPr id="5" name="內容版面配置區 4"/>
+          <p:cNvSpPr>
+            <a:spLocks noGrp="1"/>
+          </p:cNvSpPr>
+          <p:nvPr>
+            <p:ph idx="1"/>
+          </p:nvPr>
+        </p:nvSpPr>
+        <p:spPr>
+          <a:xfrm>
+            <a:off x="0" y="2084851"/>
+            <a:ext cx="12192000" cy="2404863"/>
+          </a:xfrm>
+        </p:spPr>
+        <p:txBody>
+          <a:bodyPr anchor="ctr">
             <a:normAutofit/>
           </a:bodyPr>
           <a:lstStyle/>
           <a:p>
-            <a:r>
-              <a:rPr lang="en-US" altLang="zh-CN" sz="4800" b="1" dirty="0">
+            <a:pPr marL="0" indent="0" algn="ctr">
+              <a:buNone/>
+            </a:pPr>
+            <a:r>
+              <a:rPr lang="zh-CN" altLang="zh-TW" sz="6400" b="1" dirty="0">
                 <a:solidFill>
-                  <a:srgbClr val="002060"/>
+                  <a:srgbClr val="000066"/>
                 </a:solidFill>
                 <a:latin typeface="Microsoft JhengHei" panose="020B0604030504040204" pitchFamily="34" charset="-120"/>
                 <a:ea typeface="Microsoft JhengHei" panose="020B0604030504040204" pitchFamily="34" charset="-120"/>
               </a:rPr>
-              <a:t>【</a:t>
-            </a:r>
-            <a:r>
-              <a:rPr lang="zh-CN" altLang="en-US" sz="4800" b="1" dirty="0">
+              <a:t>共飲主杯同昭虔敬</a:t>
+            </a:r>
+          </a:p>
+          <a:p>
+            <a:pPr marL="0" indent="0" algn="ctr">
+              <a:buNone/>
+            </a:pPr>
+            <a:r>
+              <a:rPr lang="zh-CN" altLang="zh-TW" sz="6400" b="1" dirty="0">
                 <a:solidFill>
-                  <a:srgbClr val="002060"/>
+                  <a:srgbClr val="000066"/>
                 </a:solidFill>
                 <a:latin typeface="Microsoft JhengHei" panose="020B0604030504040204" pitchFamily="34" charset="-120"/>
                 <a:ea typeface="Microsoft JhengHei" panose="020B0604030504040204" pitchFamily="34" charset="-120"/>
               </a:rPr>
-              <a:t>聖餐</a:t>
-            </a:r>
-            <a:r>
-              <a:rPr lang="en-US" altLang="zh-CN" sz="4800" b="1" dirty="0">
-                <a:solidFill>
-                  <a:srgbClr val="002060"/>
-                </a:solidFill>
-                <a:latin typeface="Microsoft JhengHei" panose="020B0604030504040204" pitchFamily="34" charset="-120"/>
-                <a:ea typeface="Microsoft JhengHei" panose="020B0604030504040204" pitchFamily="34" charset="-120"/>
-              </a:rPr>
-              <a:t>】</a:t>
-            </a:r>
-          </a:p>
-        </p:txBody>
-      </p:sp>
-      <p:sp>
-        <p:nvSpPr>
-          <p:cNvPr id="5" name="Content Placeholder 4"/>
-          <p:cNvSpPr>
-            <a:spLocks noGrp="1"/>
-          </p:cNvSpPr>
-          <p:nvPr>
-            <p:ph idx="1"/>
-          </p:nvPr>
+              <a:t>如此將主常記</a:t>
+            </a:r>
+          </a:p>
+        </p:txBody>
+      </p:sp>
+      <p:sp>
+        <p:nvSpPr>
+          <p:cNvPr id="3" name="TextBox 2"/>
+          <p:cNvSpPr txBox="1"/>
+          <p:nvPr/>
         </p:nvSpPr>
         <p:spPr>
           <a:xfrm>
-            <a:off x="0" y="1600203"/>
-            <a:ext cx="12192000" cy="5257797"/>
-          </a:xfrm>
-        </p:spPr>
-        <p:txBody>
-          <a:bodyPr>
-            <a:normAutofit/>
-          </a:bodyPr>
-          <a:lstStyle/>
-          <a:p>
-            <a:pPr marL="0" indent="0" algn="ctr">
-              <a:buNone/>
-            </a:pPr>
-            <a:r>
-              <a:rPr lang="zh-CN" altLang="zh-TW" sz="5400" b="1" dirty="0">
-                <a:solidFill>
-                  <a:srgbClr val="002060"/>
-                </a:solidFill>
-                <a:latin typeface="Microsoft JhengHei" panose="020B0604030504040204" pitchFamily="34" charset="-120"/>
-                <a:ea typeface="Microsoft JhengHei" panose="020B0604030504040204" pitchFamily="34" charset="-120"/>
-              </a:rPr>
-              <a:t>我念主苦我念主德</a:t>
-            </a:r>
-          </a:p>
-          <a:p>
-            <a:pPr marL="0" indent="0" algn="ctr">
-              <a:buNone/>
-            </a:pPr>
-            <a:r>
-              <a:rPr lang="zh-CN" altLang="zh-TW" sz="5400" b="1" dirty="0">
-                <a:solidFill>
-                  <a:srgbClr val="002060"/>
-                </a:solidFill>
-                <a:latin typeface="Microsoft JhengHei" panose="020B0604030504040204" pitchFamily="34" charset="-120"/>
-                <a:ea typeface="Microsoft JhengHei" panose="020B0604030504040204" pitchFamily="34" charset="-120"/>
-              </a:rPr>
-              <a:t>念主愛我至極</a:t>
-            </a:r>
-          </a:p>
-          <a:p>
-            <a:pPr marL="0" indent="0" algn="ctr">
-              <a:buNone/>
-            </a:pPr>
-            <a:r>
-              <a:rPr lang="zh-CN" altLang="zh-TW" sz="5400" b="1" dirty="0">
-                <a:solidFill>
-                  <a:srgbClr val="002060"/>
-                </a:solidFill>
-                <a:latin typeface="Microsoft JhengHei" panose="020B0604030504040204" pitchFamily="34" charset="-120"/>
-                <a:ea typeface="Microsoft JhengHei" panose="020B0604030504040204" pitchFamily="34" charset="-120"/>
-              </a:rPr>
-              <a:t>尚有呼吸尚有血脈</a:t>
-            </a:r>
-          </a:p>
-          <a:p>
-            <a:pPr marL="0" indent="0" algn="ctr">
-              <a:buNone/>
-            </a:pPr>
-            <a:r>
-              <a:rPr lang="zh-CN" altLang="zh-TW" sz="5400" b="1" dirty="0">
-                <a:solidFill>
-                  <a:srgbClr val="002060"/>
-                </a:solidFill>
-                <a:latin typeface="Microsoft JhengHei" panose="020B0604030504040204" pitchFamily="34" charset="-120"/>
-                <a:ea typeface="Microsoft JhengHei" panose="020B0604030504040204" pitchFamily="34" charset="-120"/>
-              </a:rPr>
-              <a:t>我總將主永記</a:t>
-            </a:r>
-          </a:p>
-        </p:txBody>
-      </p:sp>
-      <p:sp>
-        <p:nvSpPr>
-          <p:cNvPr id="6" name="Text Box 1"/>
-          <p:cNvSpPr txBox="1"/>
-          <p:nvPr/>
-        </p:nvSpPr>
-        <p:spPr>
-          <a:xfrm>
-            <a:off x="1055440" y="1700808"/>
-            <a:ext cx="1351226" cy="923330"/>
+            <a:off x="0" y="5061182"/>
+            <a:ext cx="12192000" cy="830997"/>
           </a:xfrm>
           <a:prstGeom prst="rect">
             <a:avLst/>
           </a:prstGeom>
           <a:noFill/>
-          <a:ln w="9525">
-            <a:noFill/>
-            <a:miter lim="800000"/>
-          </a:ln>
         </p:spPr>
         <p:txBody>
-          <a:bodyPr wrap="square">
+          <a:bodyPr wrap="square" rtlCol="0">
             <a:spAutoFit/>
           </a:bodyPr>
           <a:lstStyle/>
           <a:p>
             <a:pPr algn="ctr"/>
             <a:r>
-              <a:rPr lang="en-US" sz="5400" b="1" dirty="0">
+              <a:rPr lang="en-US" sz="4800" b="1" dirty="0">
                 <a:solidFill>
-                  <a:srgbClr val="002060"/>
+                  <a:srgbClr val="000066"/>
                 </a:solidFill>
               </a:rPr>
-              <a:t>5</a:t>
-            </a:r>
-            <a:r>
-              <a:rPr lang="en-US" sz="5400" b="1" dirty="0" smtClean="0">
-                <a:solidFill>
-                  <a:srgbClr val="002060"/>
-                </a:solidFill>
-              </a:rPr>
-              <a:t>.</a:t>
-            </a:r>
-            <a:endParaRPr lang="en-US" sz="5400" b="1" dirty="0">
+              <a:t>( 2 / 6 )</a:t>
+            </a:r>
+            <a:endParaRPr lang="vi-VN" sz="4800" b="1" dirty="0">
               <a:solidFill>
-                <a:srgbClr val="002060"/>
+                <a:srgbClr val="000066"/>
               </a:solidFill>
             </a:endParaRPr>
           </a:p>
@@ -4791,7 +4916,7 @@
     </p:spTree>
     <p:extLst>
       <p:ext uri="{BB962C8B-B14F-4D97-AF65-F5344CB8AC3E}">
-        <p14:creationId xmlns:p14="http://schemas.microsoft.com/office/powerpoint/2010/main" val="983415506"/>
+        <p14:creationId xmlns:p14="http://schemas.microsoft.com/office/powerpoint/2010/main" val="1692629735"/>
       </p:ext>
     </p:extLst>
   </p:cSld>
@@ -4827,183 +4952,91 @@
       </p:grpSpPr>
       <p:sp>
         <p:nvSpPr>
-          <p:cNvPr id="4" name="Title 3"/>
-          <p:cNvSpPr>
-            <a:spLocks noGrp="1"/>
-          </p:cNvSpPr>
-          <p:nvPr>
-            <p:ph type="title"/>
-          </p:nvPr>
-        </p:nvSpPr>
-        <p:spPr/>
-        <p:txBody>
-          <a:bodyPr>
+          <p:cNvPr id="5" name="內容版面配置區 4"/>
+          <p:cNvSpPr>
+            <a:spLocks noGrp="1"/>
+          </p:cNvSpPr>
+          <p:nvPr>
+            <p:ph idx="1"/>
+          </p:nvPr>
+        </p:nvSpPr>
+        <p:spPr>
+          <a:xfrm>
+            <a:off x="0" y="2084851"/>
+            <a:ext cx="12192000" cy="2404863"/>
+          </a:xfrm>
+        </p:spPr>
+        <p:txBody>
+          <a:bodyPr anchor="ctr">
             <a:normAutofit/>
           </a:bodyPr>
           <a:lstStyle/>
           <a:p>
-            <a:r>
-              <a:rPr lang="en-US" altLang="zh-CN" sz="4800" b="1" dirty="0">
+            <a:pPr marL="0" indent="0" algn="ctr">
+              <a:buNone/>
+            </a:pPr>
+            <a:r>
+              <a:rPr lang="zh-CN" altLang="zh-TW" sz="6400" b="1" dirty="0">
                 <a:solidFill>
-                  <a:srgbClr val="002060"/>
+                  <a:srgbClr val="000066"/>
                 </a:solidFill>
                 <a:latin typeface="Microsoft JhengHei" panose="020B0604030504040204" pitchFamily="34" charset="-120"/>
                 <a:ea typeface="Microsoft JhengHei" panose="020B0604030504040204" pitchFamily="34" charset="-120"/>
               </a:rPr>
-              <a:t>【</a:t>
-            </a:r>
-            <a:r>
-              <a:rPr lang="zh-CN" altLang="en-US" sz="4800" b="1" dirty="0">
+              <a:t>主在花園三次祈禱</a:t>
+            </a:r>
+          </a:p>
+          <a:p>
+            <a:pPr marL="0" indent="0" algn="ctr">
+              <a:buNone/>
+            </a:pPr>
+            <a:r>
+              <a:rPr lang="zh-CN" altLang="zh-TW" sz="6400" b="1" dirty="0">
                 <a:solidFill>
-                  <a:srgbClr val="002060"/>
+                  <a:srgbClr val="000066"/>
                 </a:solidFill>
                 <a:latin typeface="Microsoft JhengHei" panose="020B0604030504040204" pitchFamily="34" charset="-120"/>
                 <a:ea typeface="Microsoft JhengHei" panose="020B0604030504040204" pitchFamily="34" charset="-120"/>
               </a:rPr>
-              <a:t>聖餐</a:t>
-            </a:r>
-            <a:r>
-              <a:rPr lang="en-US" altLang="zh-CN" sz="4800" b="1" dirty="0">
-                <a:solidFill>
-                  <a:srgbClr val="002060"/>
-                </a:solidFill>
-                <a:latin typeface="Microsoft JhengHei" panose="020B0604030504040204" pitchFamily="34" charset="-120"/>
-                <a:ea typeface="Microsoft JhengHei" panose="020B0604030504040204" pitchFamily="34" charset="-120"/>
-              </a:rPr>
-              <a:t>】</a:t>
-            </a:r>
-          </a:p>
-        </p:txBody>
-      </p:sp>
-      <p:sp>
-        <p:nvSpPr>
-          <p:cNvPr id="5" name="Content Placeholder 4"/>
-          <p:cNvSpPr>
-            <a:spLocks noGrp="1"/>
-          </p:cNvSpPr>
-          <p:nvPr>
-            <p:ph idx="1"/>
-          </p:nvPr>
+              <a:t>負罪懷憂無比</a:t>
+            </a:r>
+          </a:p>
+        </p:txBody>
+      </p:sp>
+      <p:sp>
+        <p:nvSpPr>
+          <p:cNvPr id="3" name="TextBox 2"/>
+          <p:cNvSpPr txBox="1"/>
+          <p:nvPr/>
         </p:nvSpPr>
         <p:spPr>
           <a:xfrm>
-            <a:off x="0" y="1600203"/>
-            <a:ext cx="12192000" cy="5257797"/>
-          </a:xfrm>
-        </p:spPr>
-        <p:txBody>
-          <a:bodyPr>
-            <a:normAutofit/>
-          </a:bodyPr>
-          <a:lstStyle/>
-          <a:p>
-            <a:pPr marL="0" indent="0" algn="ctr">
-              <a:buNone/>
-            </a:pPr>
-            <a:r>
-              <a:rPr lang="zh-CN" altLang="en-US" sz="5400" b="1" dirty="0">
-                <a:solidFill>
-                  <a:srgbClr val="002060"/>
-                </a:solidFill>
-                <a:latin typeface="Microsoft JhengHei" panose="020B0604030504040204" pitchFamily="34" charset="-120"/>
-                <a:ea typeface="Microsoft JhengHei" panose="020B0604030504040204" pitchFamily="34" charset="-120"/>
-              </a:rPr>
-              <a:t>待至臨終不能説話</a:t>
-            </a:r>
-          </a:p>
-          <a:p>
-            <a:pPr marL="0" indent="0" algn="ctr">
-              <a:buNone/>
-            </a:pPr>
-            <a:r>
-              <a:rPr lang="zh-CN" altLang="en-US" sz="5400" b="1" dirty="0">
-                <a:solidFill>
-                  <a:srgbClr val="002060"/>
-                </a:solidFill>
-                <a:latin typeface="Microsoft JhengHei" panose="020B0604030504040204" pitchFamily="34" charset="-120"/>
-                <a:ea typeface="Microsoft JhengHei" panose="020B0604030504040204" pitchFamily="34" charset="-120"/>
-              </a:rPr>
-              <a:t>念主仍然不息</a:t>
-            </a:r>
-          </a:p>
-          <a:p>
-            <a:pPr marL="0" indent="0" algn="ctr">
-              <a:buNone/>
-            </a:pPr>
-            <a:r>
-              <a:rPr lang="zh-CN" altLang="en-US" sz="5400" b="1" dirty="0">
-                <a:solidFill>
-                  <a:srgbClr val="002060"/>
-                </a:solidFill>
-                <a:latin typeface="Microsoft JhengHei" panose="020B0604030504040204" pitchFamily="34" charset="-120"/>
-                <a:ea typeface="Microsoft JhengHei" panose="020B0604030504040204" pitchFamily="34" charset="-120"/>
-              </a:rPr>
-              <a:t>主再降臨從天而下</a:t>
-            </a:r>
-          </a:p>
-          <a:p>
-            <a:pPr marL="0" indent="0" algn="ctr">
-              <a:buNone/>
-            </a:pPr>
-            <a:r>
-              <a:rPr lang="zh-CN" altLang="en-US" sz="5400" b="1" dirty="0">
-                <a:solidFill>
-                  <a:srgbClr val="002060"/>
-                </a:solidFill>
-                <a:latin typeface="Microsoft JhengHei" panose="020B0604030504040204" pitchFamily="34" charset="-120"/>
-                <a:ea typeface="Microsoft JhengHei" panose="020B0604030504040204" pitchFamily="34" charset="-120"/>
-              </a:rPr>
-              <a:t>懇求亦將我記</a:t>
-            </a:r>
-          </a:p>
-        </p:txBody>
-      </p:sp>
-      <p:sp>
-        <p:nvSpPr>
-          <p:cNvPr id="6" name="Text Box 1"/>
-          <p:cNvSpPr txBox="1"/>
-          <p:nvPr/>
-        </p:nvSpPr>
-        <p:spPr>
-          <a:xfrm>
-            <a:off x="1055440" y="1700808"/>
-            <a:ext cx="1351226" cy="923330"/>
+            <a:off x="0" y="5061182"/>
+            <a:ext cx="12192000" cy="830997"/>
           </a:xfrm>
           <a:prstGeom prst="rect">
             <a:avLst/>
           </a:prstGeom>
           <a:noFill/>
-          <a:ln w="9525">
-            <a:noFill/>
-            <a:miter lim="800000"/>
-          </a:ln>
         </p:spPr>
         <p:txBody>
-          <a:bodyPr wrap="square">
+          <a:bodyPr wrap="square" rtlCol="0">
             <a:spAutoFit/>
           </a:bodyPr>
           <a:lstStyle/>
           <a:p>
             <a:pPr algn="ctr"/>
             <a:r>
-              <a:rPr lang="en-US" sz="5400" b="1" dirty="0">
+              <a:rPr lang="en-US" sz="4800" b="1" dirty="0">
                 <a:solidFill>
-                  <a:srgbClr val="002060"/>
+                  <a:srgbClr val="000066"/>
                 </a:solidFill>
               </a:rPr>
-              <a:t>6</a:t>
-            </a:r>
-            <a:r>
-              <a:rPr lang="en-US" sz="5400" b="1" dirty="0" smtClean="0">
-                <a:solidFill>
-                  <a:srgbClr val="002060"/>
-                </a:solidFill>
-              </a:rPr>
-              <a:t>.</a:t>
-            </a:r>
-            <a:endParaRPr lang="en-US" sz="5400" b="1" dirty="0">
+              <a:t>( 3 / 6 )</a:t>
+            </a:r>
+            <a:endParaRPr lang="vi-VN" sz="4800" b="1" dirty="0">
               <a:solidFill>
-                <a:srgbClr val="002060"/>
+                <a:srgbClr val="000066"/>
               </a:solidFill>
             </a:endParaRPr>
           </a:p>
@@ -5012,7 +5045,394 @@
     </p:spTree>
     <p:extLst>
       <p:ext uri="{BB962C8B-B14F-4D97-AF65-F5344CB8AC3E}">
-        <p14:creationId xmlns:p14="http://schemas.microsoft.com/office/powerpoint/2010/main" val="3713418490"/>
+        <p14:creationId xmlns:p14="http://schemas.microsoft.com/office/powerpoint/2010/main" val="2927130966"/>
+      </p:ext>
+    </p:extLst>
+  </p:cSld>
+  <p:clrMapOvr>
+    <a:masterClrMapping/>
+  </p:clrMapOvr>
+  <p:timing>
+    <p:tnLst>
+      <p:par>
+        <p:cTn id="1" dur="indefinite" restart="never" nodeType="tmRoot"/>
+      </p:par>
+    </p:tnLst>
+  </p:timing>
+</p:sld>
+</file>
+
+<file path=ppt/slides/slide7.xml><?xml version="1.0" encoding="utf-8"?>
+<p:sld xmlns:a="http://schemas.openxmlformats.org/drawingml/2006/main" xmlns:r="http://schemas.openxmlformats.org/officeDocument/2006/relationships" xmlns:p="http://schemas.openxmlformats.org/presentationml/2006/main">
+  <p:cSld>
+    <p:spTree>
+      <p:nvGrpSpPr>
+        <p:cNvPr id="1" name=""/>
+        <p:cNvGrpSpPr/>
+        <p:nvPr/>
+      </p:nvGrpSpPr>
+      <p:grpSpPr>
+        <a:xfrm>
+          <a:off x="0" y="0"/>
+          <a:ext cx="0" cy="0"/>
+          <a:chOff x="0" y="0"/>
+          <a:chExt cx="0" cy="0"/>
+        </a:xfrm>
+      </p:grpSpPr>
+      <p:sp>
+        <p:nvSpPr>
+          <p:cNvPr id="5" name="內容版面配置區 4"/>
+          <p:cNvSpPr>
+            <a:spLocks noGrp="1"/>
+          </p:cNvSpPr>
+          <p:nvPr>
+            <p:ph idx="1"/>
+          </p:nvPr>
+        </p:nvSpPr>
+        <p:spPr>
+          <a:xfrm>
+            <a:off x="0" y="2084851"/>
+            <a:ext cx="12192000" cy="2404863"/>
+          </a:xfrm>
+        </p:spPr>
+        <p:txBody>
+          <a:bodyPr anchor="ctr">
+            <a:normAutofit/>
+          </a:bodyPr>
+          <a:lstStyle/>
+          <a:p>
+            <a:pPr marL="0" indent="0" algn="ctr">
+              <a:buNone/>
+            </a:pPr>
+            <a:r>
+              <a:rPr lang="zh-CN" altLang="zh-TW" sz="6400" b="1" dirty="0">
+                <a:solidFill>
+                  <a:srgbClr val="000066"/>
+                </a:solidFill>
+                <a:latin typeface="Microsoft JhengHei" panose="020B0604030504040204" pitchFamily="34" charset="-120"/>
+                <a:ea typeface="Microsoft JhengHei" panose="020B0604030504040204" pitchFamily="34" charset="-120"/>
+              </a:rPr>
+              <a:t>汗流如血極其苦惱</a:t>
+            </a:r>
+          </a:p>
+          <a:p>
+            <a:pPr marL="0" indent="0" algn="ctr">
+              <a:buNone/>
+            </a:pPr>
+            <a:r>
+              <a:rPr lang="zh-CN" altLang="zh-TW" sz="6400" b="1" dirty="0">
+                <a:solidFill>
+                  <a:srgbClr val="000066"/>
+                </a:solidFill>
+                <a:latin typeface="Microsoft JhengHei" panose="020B0604030504040204" pitchFamily="34" charset="-120"/>
+                <a:ea typeface="Microsoft JhengHei" panose="020B0604030504040204" pitchFamily="34" charset="-120"/>
+              </a:rPr>
+              <a:t>何能將主忘記</a:t>
+            </a:r>
+          </a:p>
+        </p:txBody>
+      </p:sp>
+      <p:sp>
+        <p:nvSpPr>
+          <p:cNvPr id="3" name="TextBox 2"/>
+          <p:cNvSpPr txBox="1"/>
+          <p:nvPr/>
+        </p:nvSpPr>
+        <p:spPr>
+          <a:xfrm>
+            <a:off x="0" y="5061182"/>
+            <a:ext cx="12192000" cy="830997"/>
+          </a:xfrm>
+          <a:prstGeom prst="rect">
+            <a:avLst/>
+          </a:prstGeom>
+          <a:noFill/>
+        </p:spPr>
+        <p:txBody>
+          <a:bodyPr wrap="square" rtlCol="0">
+            <a:spAutoFit/>
+          </a:bodyPr>
+          <a:lstStyle/>
+          <a:p>
+            <a:pPr algn="ctr"/>
+            <a:r>
+              <a:rPr lang="en-US" sz="4800" b="1" dirty="0">
+                <a:solidFill>
+                  <a:srgbClr val="000066"/>
+                </a:solidFill>
+              </a:rPr>
+              <a:t>( 3 / 6 )</a:t>
+            </a:r>
+            <a:endParaRPr lang="vi-VN" sz="4800" b="1" dirty="0">
+              <a:solidFill>
+                <a:srgbClr val="000066"/>
+              </a:solidFill>
+            </a:endParaRPr>
+          </a:p>
+        </p:txBody>
+      </p:sp>
+    </p:spTree>
+    <p:extLst>
+      <p:ext uri="{BB962C8B-B14F-4D97-AF65-F5344CB8AC3E}">
+        <p14:creationId xmlns:p14="http://schemas.microsoft.com/office/powerpoint/2010/main" val="316508703"/>
+      </p:ext>
+    </p:extLst>
+  </p:cSld>
+  <p:clrMapOvr>
+    <a:masterClrMapping/>
+  </p:clrMapOvr>
+  <p:timing>
+    <p:tnLst>
+      <p:par>
+        <p:cTn id="1" dur="indefinite" restart="never" nodeType="tmRoot"/>
+      </p:par>
+    </p:tnLst>
+  </p:timing>
+</p:sld>
+</file>
+
+<file path=ppt/slides/slide8.xml><?xml version="1.0" encoding="utf-8"?>
+<p:sld xmlns:a="http://schemas.openxmlformats.org/drawingml/2006/main" xmlns:r="http://schemas.openxmlformats.org/officeDocument/2006/relationships" xmlns:p="http://schemas.openxmlformats.org/presentationml/2006/main">
+  <p:cSld>
+    <p:spTree>
+      <p:nvGrpSpPr>
+        <p:cNvPr id="1" name=""/>
+        <p:cNvGrpSpPr/>
+        <p:nvPr/>
+      </p:nvGrpSpPr>
+      <p:grpSpPr>
+        <a:xfrm>
+          <a:off x="0" y="0"/>
+          <a:ext cx="0" cy="0"/>
+          <a:chOff x="0" y="0"/>
+          <a:chExt cx="0" cy="0"/>
+        </a:xfrm>
+      </p:grpSpPr>
+      <p:sp>
+        <p:nvSpPr>
+          <p:cNvPr id="5" name="內容版面配置區 4"/>
+          <p:cNvSpPr>
+            <a:spLocks noGrp="1"/>
+          </p:cNvSpPr>
+          <p:nvPr>
+            <p:ph idx="1"/>
+          </p:nvPr>
+        </p:nvSpPr>
+        <p:spPr>
+          <a:xfrm>
+            <a:off x="0" y="2084851"/>
+            <a:ext cx="12192000" cy="2404863"/>
+          </a:xfrm>
+        </p:spPr>
+        <p:txBody>
+          <a:bodyPr anchor="ctr">
+            <a:normAutofit/>
+          </a:bodyPr>
+          <a:lstStyle/>
+          <a:p>
+            <a:pPr marL="0" indent="0" algn="ctr">
+              <a:buNone/>
+            </a:pPr>
+            <a:r>
+              <a:rPr lang="zh-CN" altLang="zh-TW" sz="6400" b="1" dirty="0">
+                <a:solidFill>
+                  <a:srgbClr val="000066"/>
+                </a:solidFill>
+                <a:latin typeface="Microsoft JhengHei" panose="020B0604030504040204" pitchFamily="34" charset="-120"/>
+                <a:ea typeface="Microsoft JhengHei" panose="020B0604030504040204" pitchFamily="34" charset="-120"/>
+              </a:rPr>
+              <a:t>主釘十架我每思想</a:t>
+            </a:r>
+          </a:p>
+          <a:p>
+            <a:pPr marL="0" indent="0" algn="ctr">
+              <a:buNone/>
+            </a:pPr>
+            <a:r>
+              <a:rPr lang="zh-CN" altLang="zh-TW" sz="6400" b="1" dirty="0">
+                <a:solidFill>
+                  <a:srgbClr val="000066"/>
+                </a:solidFill>
+                <a:latin typeface="Microsoft JhengHei" panose="020B0604030504040204" pitchFamily="34" charset="-120"/>
+                <a:ea typeface="Microsoft JhengHei" panose="020B0604030504040204" pitchFamily="34" charset="-120"/>
+              </a:rPr>
+              <a:t>注目在髑髏地</a:t>
+            </a:r>
+          </a:p>
+        </p:txBody>
+      </p:sp>
+      <p:sp>
+        <p:nvSpPr>
+          <p:cNvPr id="3" name="TextBox 2"/>
+          <p:cNvSpPr txBox="1"/>
+          <p:nvPr/>
+        </p:nvSpPr>
+        <p:spPr>
+          <a:xfrm>
+            <a:off x="0" y="5061182"/>
+            <a:ext cx="12192000" cy="830997"/>
+          </a:xfrm>
+          <a:prstGeom prst="rect">
+            <a:avLst/>
+          </a:prstGeom>
+          <a:noFill/>
+        </p:spPr>
+        <p:txBody>
+          <a:bodyPr wrap="square" rtlCol="0">
+            <a:spAutoFit/>
+          </a:bodyPr>
+          <a:lstStyle/>
+          <a:p>
+            <a:pPr algn="ctr"/>
+            <a:r>
+              <a:rPr lang="en-US" sz="4800" b="1" dirty="0">
+                <a:solidFill>
+                  <a:srgbClr val="000066"/>
+                </a:solidFill>
+              </a:rPr>
+              <a:t>( 4 / 6 )</a:t>
+            </a:r>
+            <a:endParaRPr lang="vi-VN" sz="4800" b="1" dirty="0">
+              <a:solidFill>
+                <a:srgbClr val="000066"/>
+              </a:solidFill>
+            </a:endParaRPr>
+          </a:p>
+        </p:txBody>
+      </p:sp>
+    </p:spTree>
+    <p:extLst>
+      <p:ext uri="{BB962C8B-B14F-4D97-AF65-F5344CB8AC3E}">
+        <p14:creationId xmlns:p14="http://schemas.microsoft.com/office/powerpoint/2010/main" val="2298434147"/>
+      </p:ext>
+    </p:extLst>
+  </p:cSld>
+  <p:clrMapOvr>
+    <a:masterClrMapping/>
+  </p:clrMapOvr>
+  <p:timing>
+    <p:tnLst>
+      <p:par>
+        <p:cTn id="1" dur="indefinite" restart="never" nodeType="tmRoot"/>
+      </p:par>
+    </p:tnLst>
+  </p:timing>
+</p:sld>
+</file>
+
+<file path=ppt/slides/slide9.xml><?xml version="1.0" encoding="utf-8"?>
+<p:sld xmlns:a="http://schemas.openxmlformats.org/drawingml/2006/main" xmlns:r="http://schemas.openxmlformats.org/officeDocument/2006/relationships" xmlns:p="http://schemas.openxmlformats.org/presentationml/2006/main">
+  <p:cSld>
+    <p:spTree>
+      <p:nvGrpSpPr>
+        <p:cNvPr id="1" name=""/>
+        <p:cNvGrpSpPr/>
+        <p:nvPr/>
+      </p:nvGrpSpPr>
+      <p:grpSpPr>
+        <a:xfrm>
+          <a:off x="0" y="0"/>
+          <a:ext cx="0" cy="0"/>
+          <a:chOff x="0" y="0"/>
+          <a:chExt cx="0" cy="0"/>
+        </a:xfrm>
+      </p:grpSpPr>
+      <p:sp>
+        <p:nvSpPr>
+          <p:cNvPr id="5" name="內容版面配置區 4"/>
+          <p:cNvSpPr>
+            <a:spLocks noGrp="1"/>
+          </p:cNvSpPr>
+          <p:nvPr>
+            <p:ph idx="1"/>
+          </p:nvPr>
+        </p:nvSpPr>
+        <p:spPr>
+          <a:xfrm>
+            <a:off x="0" y="2084851"/>
+            <a:ext cx="12192000" cy="2404863"/>
+          </a:xfrm>
+        </p:spPr>
+        <p:txBody>
+          <a:bodyPr anchor="ctr">
+            <a:normAutofit/>
+          </a:bodyPr>
+          <a:lstStyle/>
+          <a:p>
+            <a:pPr marL="0" indent="0" algn="ctr">
+              <a:buNone/>
+            </a:pPr>
+            <a:r>
+              <a:rPr lang="zh-CN" altLang="zh-TW" sz="6400" b="1" dirty="0">
+                <a:solidFill>
+                  <a:srgbClr val="000066"/>
+                </a:solidFill>
+                <a:latin typeface="Microsoft JhengHei" panose="020B0604030504040204" pitchFamily="34" charset="-120"/>
+                <a:ea typeface="Microsoft JhengHei" panose="020B0604030504040204" pitchFamily="34" charset="-120"/>
+              </a:rPr>
+              <a:t>上帝羔羊為我獻上</a:t>
+            </a:r>
+          </a:p>
+          <a:p>
+            <a:pPr marL="0" indent="0" algn="ctr">
+              <a:buNone/>
+            </a:pPr>
+            <a:r>
+              <a:rPr lang="zh-CN" altLang="zh-TW" sz="6400" b="1" dirty="0">
+                <a:solidFill>
+                  <a:srgbClr val="000066"/>
+                </a:solidFill>
+                <a:latin typeface="Microsoft JhengHei" panose="020B0604030504040204" pitchFamily="34" charset="-120"/>
+                <a:ea typeface="Microsoft JhengHei" panose="020B0604030504040204" pitchFamily="34" charset="-120"/>
+              </a:rPr>
+              <a:t>必定將主切記</a:t>
+            </a:r>
+          </a:p>
+        </p:txBody>
+      </p:sp>
+      <p:sp>
+        <p:nvSpPr>
+          <p:cNvPr id="3" name="TextBox 2"/>
+          <p:cNvSpPr txBox="1"/>
+          <p:nvPr/>
+        </p:nvSpPr>
+        <p:spPr>
+          <a:xfrm>
+            <a:off x="0" y="5061182"/>
+            <a:ext cx="12192000" cy="830997"/>
+          </a:xfrm>
+          <a:prstGeom prst="rect">
+            <a:avLst/>
+          </a:prstGeom>
+          <a:noFill/>
+        </p:spPr>
+        <p:txBody>
+          <a:bodyPr wrap="square" rtlCol="0">
+            <a:spAutoFit/>
+          </a:bodyPr>
+          <a:lstStyle/>
+          <a:p>
+            <a:pPr algn="ctr"/>
+            <a:r>
+              <a:rPr lang="en-US" sz="4800" b="1" dirty="0">
+                <a:solidFill>
+                  <a:srgbClr val="000066"/>
+                </a:solidFill>
+              </a:rPr>
+              <a:t>( 4 / 6 )</a:t>
+            </a:r>
+            <a:endParaRPr lang="vi-VN" sz="4800" b="1" dirty="0">
+              <a:solidFill>
+                <a:srgbClr val="000066"/>
+              </a:solidFill>
+            </a:endParaRPr>
+          </a:p>
+        </p:txBody>
+      </p:sp>
+    </p:spTree>
+    <p:extLst>
+      <p:ext uri="{BB962C8B-B14F-4D97-AF65-F5344CB8AC3E}">
+        <p14:creationId xmlns:p14="http://schemas.microsoft.com/office/powerpoint/2010/main" val="1394949545"/>
       </p:ext>
     </p:extLst>
   </p:cSld>

--- a/宣道詩/(宣道詩262A) 聖餐.pptx
+++ b/宣道詩/(宣道詩262A) 聖餐.pptx
@@ -3831,24 +3831,7 @@
                 <a:latin typeface="微軟正黑體" pitchFamily="34" charset="-120"/>
                 <a:ea typeface="微軟正黑體" pitchFamily="34" charset="-120"/>
               </a:rPr>
-              <a:t>聖</a:t>
-            </a:r>
-            <a:r>
-              <a:rPr lang="zh-CN" altLang="en-US" sz="8000" b="1" dirty="0">
-                <a:solidFill>
-                  <a:srgbClr val="000066"/>
-                </a:solidFill>
-                <a:effectLst>
-                  <a:outerShdw blurRad="38100" dist="38100" dir="2700000" algn="tl">
-                    <a:srgbClr val="000000">
-                      <a:alpha val="43137"/>
-                    </a:srgbClr>
-                  </a:outerShdw>
-                </a:effectLst>
-                <a:latin typeface="微軟正黑體" pitchFamily="34" charset="-120"/>
-                <a:ea typeface="微軟正黑體" pitchFamily="34" charset="-120"/>
-              </a:rPr>
-              <a:t>餐</a:t>
+              <a:t>聖餐</a:t>
             </a:r>
             <a:endParaRPr lang="zh-TW" altLang="en-US" sz="8000" b="1" dirty="0">
               <a:solidFill>
@@ -3966,7 +3949,7 @@
         <p:spPr>
           <a:xfrm>
             <a:off x="0" y="5061182"/>
-            <a:ext cx="12192000" cy="830997"/>
+            <a:ext cx="12192000" cy="646331"/>
           </a:xfrm>
           <a:prstGeom prst="rect">
             <a:avLst/>
@@ -3981,17 +3964,19 @@
           <a:p>
             <a:pPr algn="ctr"/>
             <a:r>
-              <a:rPr lang="en-US" sz="4800" b="1" dirty="0">
+              <a:rPr lang="en-US" sz="3600" b="1" dirty="0">
                 <a:solidFill>
                   <a:srgbClr val="000066"/>
                 </a:solidFill>
+                <a:latin typeface="+mn-lt"/>
               </a:rPr>
               <a:t>( 5 / 6 )</a:t>
             </a:r>
-            <a:endParaRPr lang="vi-VN" sz="4800" b="1" dirty="0">
+            <a:endParaRPr lang="vi-VN" sz="3600" b="1" dirty="0">
               <a:solidFill>
                 <a:srgbClr val="000066"/>
               </a:solidFill>
+              <a:latin typeface="+mn-lt"/>
             </a:endParaRPr>
           </a:p>
         </p:txBody>
@@ -4095,7 +4080,7 @@
         <p:spPr>
           <a:xfrm>
             <a:off x="0" y="5061182"/>
-            <a:ext cx="12192000" cy="830997"/>
+            <a:ext cx="12192000" cy="646331"/>
           </a:xfrm>
           <a:prstGeom prst="rect">
             <a:avLst/>
@@ -4110,17 +4095,19 @@
           <a:p>
             <a:pPr algn="ctr"/>
             <a:r>
-              <a:rPr lang="en-US" sz="4800" b="1" dirty="0">
+              <a:rPr lang="en-US" sz="3600" b="1" dirty="0">
                 <a:solidFill>
                   <a:srgbClr val="000066"/>
                 </a:solidFill>
+                <a:latin typeface="+mn-lt"/>
               </a:rPr>
               <a:t>( 5 / 6 )</a:t>
             </a:r>
-            <a:endParaRPr lang="vi-VN" sz="4800" b="1" dirty="0">
+            <a:endParaRPr lang="vi-VN" sz="3600" b="1" dirty="0">
               <a:solidFill>
                 <a:srgbClr val="000066"/>
               </a:solidFill>
+              <a:latin typeface="+mn-lt"/>
             </a:endParaRPr>
           </a:p>
         </p:txBody>
@@ -4224,7 +4211,7 @@
         <p:spPr>
           <a:xfrm>
             <a:off x="0" y="5061182"/>
-            <a:ext cx="12192000" cy="830997"/>
+            <a:ext cx="12192000" cy="646331"/>
           </a:xfrm>
           <a:prstGeom prst="rect">
             <a:avLst/>
@@ -4239,17 +4226,19 @@
           <a:p>
             <a:pPr algn="ctr"/>
             <a:r>
-              <a:rPr lang="en-US" sz="4800" b="1" dirty="0">
+              <a:rPr lang="en-US" sz="3600" b="1" dirty="0">
                 <a:solidFill>
                   <a:srgbClr val="000066"/>
                 </a:solidFill>
+                <a:latin typeface="+mn-lt"/>
               </a:rPr>
               <a:t>( 6 / 6 )</a:t>
             </a:r>
-            <a:endParaRPr lang="vi-VN" sz="4800" b="1" dirty="0">
+            <a:endParaRPr lang="vi-VN" sz="3600" b="1" dirty="0">
               <a:solidFill>
                 <a:srgbClr val="000066"/>
               </a:solidFill>
+              <a:latin typeface="+mn-lt"/>
             </a:endParaRPr>
           </a:p>
         </p:txBody>
@@ -4353,7 +4342,7 @@
         <p:spPr>
           <a:xfrm>
             <a:off x="0" y="5061182"/>
-            <a:ext cx="12192000" cy="830997"/>
+            <a:ext cx="12192000" cy="646331"/>
           </a:xfrm>
           <a:prstGeom prst="rect">
             <a:avLst/>
@@ -4368,17 +4357,19 @@
           <a:p>
             <a:pPr algn="ctr"/>
             <a:r>
-              <a:rPr lang="en-US" sz="4800" b="1" dirty="0">
+              <a:rPr lang="en-US" sz="3600" b="1" dirty="0">
                 <a:solidFill>
                   <a:srgbClr val="000066"/>
                 </a:solidFill>
+                <a:latin typeface="+mn-lt"/>
               </a:rPr>
               <a:t>( 6 / 6 )</a:t>
             </a:r>
-            <a:endParaRPr lang="vi-VN" sz="4800" b="1" dirty="0">
+            <a:endParaRPr lang="vi-VN" sz="3600" b="1" dirty="0">
               <a:solidFill>
                 <a:srgbClr val="000066"/>
               </a:solidFill>
+              <a:latin typeface="+mn-lt"/>
             </a:endParaRPr>
           </a:p>
         </p:txBody>
@@ -4470,13 +4461,6 @@
               </a:rPr>
               <a:t>特來恭行聖禮</a:t>
             </a:r>
-            <a:endParaRPr lang="zh-CN" altLang="zh-TW" sz="6400" b="1" dirty="0">
-              <a:solidFill>
-                <a:srgbClr val="000066"/>
-              </a:solidFill>
-              <a:latin typeface="Microsoft JhengHei" panose="020B0604030504040204" pitchFamily="34" charset="-120"/>
-              <a:ea typeface="Microsoft JhengHei" panose="020B0604030504040204" pitchFamily="34" charset="-120"/>
-            </a:endParaRPr>
           </a:p>
         </p:txBody>
       </p:sp>
@@ -4489,7 +4473,7 @@
         <p:spPr>
           <a:xfrm>
             <a:off x="0" y="5061182"/>
-            <a:ext cx="12192000" cy="830997"/>
+            <a:ext cx="12192000" cy="646331"/>
           </a:xfrm>
           <a:prstGeom prst="rect">
             <a:avLst/>
@@ -4504,17 +4488,19 @@
           <a:p>
             <a:pPr algn="ctr"/>
             <a:r>
-              <a:rPr lang="en-US" sz="4800" b="1" dirty="0">
+              <a:rPr lang="en-US" sz="3600" b="1" dirty="0">
                 <a:solidFill>
                   <a:srgbClr val="000066"/>
                 </a:solidFill>
+                <a:latin typeface="+mn-lt"/>
               </a:rPr>
               <a:t>( 1 / 6 )</a:t>
             </a:r>
-            <a:endParaRPr lang="vi-VN" sz="4800" b="1" dirty="0">
+            <a:endParaRPr lang="vi-VN" sz="3600" b="1" dirty="0">
               <a:solidFill>
                 <a:srgbClr val="000066"/>
               </a:solidFill>
+              <a:latin typeface="+mn-lt"/>
             </a:endParaRPr>
           </a:p>
         </p:txBody>
@@ -4606,13 +4592,6 @@
               </a:rPr>
               <a:t>乃要將主常記</a:t>
             </a:r>
-            <a:endParaRPr lang="zh-CN" altLang="zh-TW" sz="6400" b="1" dirty="0">
-              <a:solidFill>
-                <a:srgbClr val="000066"/>
-              </a:solidFill>
-              <a:latin typeface="Microsoft JhengHei" panose="020B0604030504040204" pitchFamily="34" charset="-120"/>
-              <a:ea typeface="Microsoft JhengHei" panose="020B0604030504040204" pitchFamily="34" charset="-120"/>
-            </a:endParaRPr>
           </a:p>
         </p:txBody>
       </p:sp>
@@ -4625,7 +4604,7 @@
         <p:spPr>
           <a:xfrm>
             <a:off x="0" y="5061182"/>
-            <a:ext cx="12192000" cy="830997"/>
+            <a:ext cx="12192000" cy="646331"/>
           </a:xfrm>
           <a:prstGeom prst="rect">
             <a:avLst/>
@@ -4640,17 +4619,19 @@
           <a:p>
             <a:pPr algn="ctr"/>
             <a:r>
-              <a:rPr lang="en-US" sz="4800" b="1" dirty="0">
+              <a:rPr lang="en-US" sz="3600" b="1" dirty="0">
                 <a:solidFill>
                   <a:srgbClr val="000066"/>
                 </a:solidFill>
+                <a:latin typeface="+mn-lt"/>
               </a:rPr>
               <a:t>( 1 / 6 )</a:t>
             </a:r>
-            <a:endParaRPr lang="vi-VN" sz="4800" b="1" dirty="0">
+            <a:endParaRPr lang="vi-VN" sz="3600" b="1" dirty="0">
               <a:solidFill>
                 <a:srgbClr val="000066"/>
               </a:solidFill>
+              <a:latin typeface="+mn-lt"/>
             </a:endParaRPr>
           </a:p>
         </p:txBody>
@@ -4754,7 +4735,7 @@
         <p:spPr>
           <a:xfrm>
             <a:off x="0" y="5061182"/>
-            <a:ext cx="12192000" cy="830997"/>
+            <a:ext cx="12192000" cy="646331"/>
           </a:xfrm>
           <a:prstGeom prst="rect">
             <a:avLst/>
@@ -4769,17 +4750,19 @@
           <a:p>
             <a:pPr algn="ctr"/>
             <a:r>
-              <a:rPr lang="en-US" sz="4800" b="1" dirty="0">
+              <a:rPr lang="en-US" sz="3600" b="1" dirty="0">
                 <a:solidFill>
                   <a:srgbClr val="000066"/>
                 </a:solidFill>
+                <a:latin typeface="+mn-lt"/>
               </a:rPr>
               <a:t>( 2 / 6 )</a:t>
             </a:r>
-            <a:endParaRPr lang="vi-VN" sz="4800" b="1" dirty="0">
+            <a:endParaRPr lang="vi-VN" sz="3600" b="1" dirty="0">
               <a:solidFill>
                 <a:srgbClr val="000066"/>
               </a:solidFill>
+              <a:latin typeface="+mn-lt"/>
             </a:endParaRPr>
           </a:p>
         </p:txBody>
@@ -4883,7 +4866,7 @@
         <p:spPr>
           <a:xfrm>
             <a:off x="0" y="5061182"/>
-            <a:ext cx="12192000" cy="830997"/>
+            <a:ext cx="12192000" cy="646331"/>
           </a:xfrm>
           <a:prstGeom prst="rect">
             <a:avLst/>
@@ -4898,17 +4881,19 @@
           <a:p>
             <a:pPr algn="ctr"/>
             <a:r>
-              <a:rPr lang="en-US" sz="4800" b="1" dirty="0">
+              <a:rPr lang="en-US" sz="3600" b="1" dirty="0">
                 <a:solidFill>
                   <a:srgbClr val="000066"/>
                 </a:solidFill>
+                <a:latin typeface="+mn-lt"/>
               </a:rPr>
               <a:t>( 2 / 6 )</a:t>
             </a:r>
-            <a:endParaRPr lang="vi-VN" sz="4800" b="1" dirty="0">
+            <a:endParaRPr lang="vi-VN" sz="3600" b="1" dirty="0">
               <a:solidFill>
                 <a:srgbClr val="000066"/>
               </a:solidFill>
+              <a:latin typeface="+mn-lt"/>
             </a:endParaRPr>
           </a:p>
         </p:txBody>
@@ -5012,7 +4997,7 @@
         <p:spPr>
           <a:xfrm>
             <a:off x="0" y="5061182"/>
-            <a:ext cx="12192000" cy="830997"/>
+            <a:ext cx="12192000" cy="646331"/>
           </a:xfrm>
           <a:prstGeom prst="rect">
             <a:avLst/>
@@ -5027,17 +5012,19 @@
           <a:p>
             <a:pPr algn="ctr"/>
             <a:r>
-              <a:rPr lang="en-US" sz="4800" b="1" dirty="0">
+              <a:rPr lang="en-US" sz="3600" b="1" dirty="0">
                 <a:solidFill>
                   <a:srgbClr val="000066"/>
                 </a:solidFill>
+                <a:latin typeface="+mn-lt"/>
               </a:rPr>
               <a:t>( 3 / 6 )</a:t>
             </a:r>
-            <a:endParaRPr lang="vi-VN" sz="4800" b="1" dirty="0">
+            <a:endParaRPr lang="vi-VN" sz="3600" b="1" dirty="0">
               <a:solidFill>
                 <a:srgbClr val="000066"/>
               </a:solidFill>
+              <a:latin typeface="+mn-lt"/>
             </a:endParaRPr>
           </a:p>
         </p:txBody>
@@ -5141,7 +5128,7 @@
         <p:spPr>
           <a:xfrm>
             <a:off x="0" y="5061182"/>
-            <a:ext cx="12192000" cy="830997"/>
+            <a:ext cx="12192000" cy="646331"/>
           </a:xfrm>
           <a:prstGeom prst="rect">
             <a:avLst/>
@@ -5156,17 +5143,19 @@
           <a:p>
             <a:pPr algn="ctr"/>
             <a:r>
-              <a:rPr lang="en-US" sz="4800" b="1" dirty="0">
+              <a:rPr lang="en-US" sz="3600" b="1" dirty="0">
                 <a:solidFill>
                   <a:srgbClr val="000066"/>
                 </a:solidFill>
+                <a:latin typeface="+mn-lt"/>
               </a:rPr>
               <a:t>( 3 / 6 )</a:t>
             </a:r>
-            <a:endParaRPr lang="vi-VN" sz="4800" b="1" dirty="0">
+            <a:endParaRPr lang="vi-VN" sz="3600" b="1" dirty="0">
               <a:solidFill>
                 <a:srgbClr val="000066"/>
               </a:solidFill>
+              <a:latin typeface="+mn-lt"/>
             </a:endParaRPr>
           </a:p>
         </p:txBody>
@@ -5270,7 +5259,7 @@
         <p:spPr>
           <a:xfrm>
             <a:off x="0" y="5061182"/>
-            <a:ext cx="12192000" cy="830997"/>
+            <a:ext cx="12192000" cy="646331"/>
           </a:xfrm>
           <a:prstGeom prst="rect">
             <a:avLst/>
@@ -5285,17 +5274,19 @@
           <a:p>
             <a:pPr algn="ctr"/>
             <a:r>
-              <a:rPr lang="en-US" sz="4800" b="1" dirty="0">
+              <a:rPr lang="en-US" sz="3600" b="1" dirty="0">
                 <a:solidFill>
                   <a:srgbClr val="000066"/>
                 </a:solidFill>
+                <a:latin typeface="+mn-lt"/>
               </a:rPr>
               <a:t>( 4 / 6 )</a:t>
             </a:r>
-            <a:endParaRPr lang="vi-VN" sz="4800" b="1" dirty="0">
+            <a:endParaRPr lang="vi-VN" sz="3600" b="1" dirty="0">
               <a:solidFill>
                 <a:srgbClr val="000066"/>
               </a:solidFill>
+              <a:latin typeface="+mn-lt"/>
             </a:endParaRPr>
           </a:p>
         </p:txBody>
@@ -5399,7 +5390,7 @@
         <p:spPr>
           <a:xfrm>
             <a:off x="0" y="5061182"/>
-            <a:ext cx="12192000" cy="830997"/>
+            <a:ext cx="12192000" cy="646331"/>
           </a:xfrm>
           <a:prstGeom prst="rect">
             <a:avLst/>
@@ -5414,17 +5405,19 @@
           <a:p>
             <a:pPr algn="ctr"/>
             <a:r>
-              <a:rPr lang="en-US" sz="4800" b="1" dirty="0">
+              <a:rPr lang="en-US" sz="3600" b="1" dirty="0">
                 <a:solidFill>
                   <a:srgbClr val="000066"/>
                 </a:solidFill>
+                <a:latin typeface="+mn-lt"/>
               </a:rPr>
               <a:t>( 4 / 6 )</a:t>
             </a:r>
-            <a:endParaRPr lang="vi-VN" sz="4800" b="1" dirty="0">
+            <a:endParaRPr lang="vi-VN" sz="3600" b="1" dirty="0">
               <a:solidFill>
                 <a:srgbClr val="000066"/>
               </a:solidFill>
+              <a:latin typeface="+mn-lt"/>
             </a:endParaRPr>
           </a:p>
         </p:txBody>
